--- a/Fall/Game Design/Assignments/Holloway_play3.pptx
+++ b/Fall/Game Design/Assignments/Holloway_play3.pptx
@@ -8,9 +8,12 @@
   <p:sldIdLst>
     <p:sldId id="256" r:id="rId4"/>
     <p:sldId id="257" r:id="rId5"/>
+    <p:sldId id="258" r:id="rId6"/>
+    <p:sldId id="259" r:id="rId7"/>
+    <p:sldId id="260" r:id="rId8"/>
   </p:sldIdLst>
   <p:sldSz cx="10080625" cy="7559675"/>
-  <p:notesSz cx="7559675" cy="10691812"/>
+  <p:notesSz cx="7772400" cy="10058400"/>
 </p:presentation>
 </file>
 
@@ -55,7 +58,7 @@
       </p:grpSpPr>
       <p:sp>
         <p:nvSpPr>
-          <p:cNvPr id="26" name="PlaceHolder 1"/>
+          <p:cNvPr id="23" name="PlaceHolder 1"/>
           <p:cNvSpPr>
             <a:spLocks noGrp="1"/>
           </p:cNvSpPr>
@@ -66,7 +69,7 @@
         <p:spPr>
           <a:xfrm>
             <a:off x="504000" y="301320"/>
-            <a:ext cx="9071640" cy="1262160"/>
+            <a:ext cx="9071280" cy="1261800"/>
           </a:xfrm>
           <a:prstGeom prst="rect">
             <a:avLst/>
@@ -84,7 +87,7 @@
       </p:sp>
       <p:sp>
         <p:nvSpPr>
-          <p:cNvPr id="27" name="PlaceHolder 2"/>
+          <p:cNvPr id="24" name="PlaceHolder 2"/>
           <p:cNvSpPr>
             <a:spLocks noGrp="1"/>
           </p:cNvSpPr>
@@ -95,26 +98,26 @@
         <p:spPr>
           <a:xfrm>
             <a:off x="504000" y="1769040"/>
-            <a:ext cx="9071640" cy="2315520"/>
-          </a:xfrm>
-          <a:prstGeom prst="rect">
-            <a:avLst/>
-          </a:prstGeom>
-        </p:spPr>
-        <p:txBody>
-          <a:bodyPr lIns="0" rIns="0" tIns="0" bIns="0">
-            <a:normAutofit/>
-          </a:bodyPr>
-          <a:p>
-            <a:endParaRPr b="0" lang="en-US" sz="3200" spc="-1" strike="noStrike">
-              <a:latin typeface="Arial"/>
-            </a:endParaRPr>
-          </a:p>
-        </p:txBody>
-      </p:sp>
-      <p:sp>
-        <p:nvSpPr>
-          <p:cNvPr id="28" name="PlaceHolder 3"/>
+            <a:ext cx="9071280" cy="2315520"/>
+          </a:xfrm>
+          <a:prstGeom prst="rect">
+            <a:avLst/>
+          </a:prstGeom>
+        </p:spPr>
+        <p:txBody>
+          <a:bodyPr lIns="0" rIns="0" tIns="0" bIns="0">
+            <a:normAutofit/>
+          </a:bodyPr>
+          <a:p>
+            <a:endParaRPr b="0" lang="en-US" sz="3200" spc="-1" strike="noStrike">
+              <a:latin typeface="Arial"/>
+            </a:endParaRPr>
+          </a:p>
+        </p:txBody>
+      </p:sp>
+      <p:sp>
+        <p:nvSpPr>
+          <p:cNvPr id="25" name="PlaceHolder 3"/>
           <p:cNvSpPr>
             <a:spLocks noGrp="1"/>
           </p:cNvSpPr>
@@ -125,7 +128,7 @@
         <p:spPr>
           <a:xfrm>
             <a:off x="504000" y="4304880"/>
-            <a:ext cx="9071640" cy="2315520"/>
+            <a:ext cx="9071280" cy="2315520"/>
           </a:xfrm>
           <a:prstGeom prst="rect">
             <a:avLst/>
@@ -166,7 +169,7 @@
       </p:grpSpPr>
       <p:sp>
         <p:nvSpPr>
-          <p:cNvPr id="29" name="PlaceHolder 1"/>
+          <p:cNvPr id="26" name="PlaceHolder 1"/>
           <p:cNvSpPr>
             <a:spLocks noGrp="1"/>
           </p:cNvSpPr>
@@ -177,7 +180,7 @@
         <p:spPr>
           <a:xfrm>
             <a:off x="504000" y="301320"/>
-            <a:ext cx="9071640" cy="1262160"/>
+            <a:ext cx="9071280" cy="1261800"/>
           </a:xfrm>
           <a:prstGeom prst="rect">
             <a:avLst/>
@@ -195,7 +198,7 @@
       </p:sp>
       <p:sp>
         <p:nvSpPr>
-          <p:cNvPr id="30" name="PlaceHolder 2"/>
+          <p:cNvPr id="27" name="PlaceHolder 2"/>
           <p:cNvSpPr>
             <a:spLocks noGrp="1"/>
           </p:cNvSpPr>
@@ -206,56 +209,56 @@
         <p:spPr>
           <a:xfrm>
             <a:off x="504000" y="1769040"/>
-            <a:ext cx="4426920" cy="2315520"/>
-          </a:xfrm>
-          <a:prstGeom prst="rect">
-            <a:avLst/>
-          </a:prstGeom>
-        </p:spPr>
-        <p:txBody>
-          <a:bodyPr lIns="0" rIns="0" tIns="0" bIns="0">
-            <a:normAutofit/>
-          </a:bodyPr>
-          <a:p>
-            <a:endParaRPr b="0" lang="en-US" sz="3200" spc="-1" strike="noStrike">
-              <a:latin typeface="Arial"/>
-            </a:endParaRPr>
-          </a:p>
-        </p:txBody>
-      </p:sp>
-      <p:sp>
-        <p:nvSpPr>
-          <p:cNvPr id="31" name="PlaceHolder 3"/>
-          <p:cNvSpPr>
-            <a:spLocks noGrp="1"/>
-          </p:cNvSpPr>
-          <p:nvPr>
-            <p:ph type="body"/>
-          </p:nvPr>
-        </p:nvSpPr>
-        <p:spPr>
-          <a:xfrm>
-            <a:off x="5152680" y="1769040"/>
-            <a:ext cx="4426920" cy="2315520"/>
-          </a:xfrm>
-          <a:prstGeom prst="rect">
-            <a:avLst/>
-          </a:prstGeom>
-        </p:spPr>
-        <p:txBody>
-          <a:bodyPr lIns="0" rIns="0" tIns="0" bIns="0">
-            <a:normAutofit/>
-          </a:bodyPr>
-          <a:p>
-            <a:endParaRPr b="0" lang="en-US" sz="3200" spc="-1" strike="noStrike">
-              <a:latin typeface="Arial"/>
-            </a:endParaRPr>
-          </a:p>
-        </p:txBody>
-      </p:sp>
-      <p:sp>
-        <p:nvSpPr>
-          <p:cNvPr id="32" name="PlaceHolder 4"/>
+            <a:ext cx="4426560" cy="2315520"/>
+          </a:xfrm>
+          <a:prstGeom prst="rect">
+            <a:avLst/>
+          </a:prstGeom>
+        </p:spPr>
+        <p:txBody>
+          <a:bodyPr lIns="0" rIns="0" tIns="0" bIns="0">
+            <a:normAutofit/>
+          </a:bodyPr>
+          <a:p>
+            <a:endParaRPr b="0" lang="en-US" sz="3200" spc="-1" strike="noStrike">
+              <a:latin typeface="Arial"/>
+            </a:endParaRPr>
+          </a:p>
+        </p:txBody>
+      </p:sp>
+      <p:sp>
+        <p:nvSpPr>
+          <p:cNvPr id="28" name="PlaceHolder 3"/>
+          <p:cNvSpPr>
+            <a:spLocks noGrp="1"/>
+          </p:cNvSpPr>
+          <p:nvPr>
+            <p:ph type="body"/>
+          </p:nvPr>
+        </p:nvSpPr>
+        <p:spPr>
+          <a:xfrm>
+            <a:off x="5152320" y="1769040"/>
+            <a:ext cx="4426560" cy="2315520"/>
+          </a:xfrm>
+          <a:prstGeom prst="rect">
+            <a:avLst/>
+          </a:prstGeom>
+        </p:spPr>
+        <p:txBody>
+          <a:bodyPr lIns="0" rIns="0" tIns="0" bIns="0">
+            <a:normAutofit/>
+          </a:bodyPr>
+          <a:p>
+            <a:endParaRPr b="0" lang="en-US" sz="3200" spc="-1" strike="noStrike">
+              <a:latin typeface="Arial"/>
+            </a:endParaRPr>
+          </a:p>
+        </p:txBody>
+      </p:sp>
+      <p:sp>
+        <p:nvSpPr>
+          <p:cNvPr id="29" name="PlaceHolder 4"/>
           <p:cNvSpPr>
             <a:spLocks noGrp="1"/>
           </p:cNvSpPr>
@@ -266,37 +269,37 @@
         <p:spPr>
           <a:xfrm>
             <a:off x="504000" y="4304880"/>
-            <a:ext cx="4426920" cy="2315520"/>
-          </a:xfrm>
-          <a:prstGeom prst="rect">
-            <a:avLst/>
-          </a:prstGeom>
-        </p:spPr>
-        <p:txBody>
-          <a:bodyPr lIns="0" rIns="0" tIns="0" bIns="0">
-            <a:normAutofit/>
-          </a:bodyPr>
-          <a:p>
-            <a:endParaRPr b="0" lang="en-US" sz="3200" spc="-1" strike="noStrike">
-              <a:latin typeface="Arial"/>
-            </a:endParaRPr>
-          </a:p>
-        </p:txBody>
-      </p:sp>
-      <p:sp>
-        <p:nvSpPr>
-          <p:cNvPr id="33" name="PlaceHolder 5"/>
-          <p:cNvSpPr>
-            <a:spLocks noGrp="1"/>
-          </p:cNvSpPr>
-          <p:nvPr>
-            <p:ph type="body"/>
-          </p:nvPr>
-        </p:nvSpPr>
-        <p:spPr>
-          <a:xfrm>
-            <a:off x="5152680" y="4304880"/>
-            <a:ext cx="4426920" cy="2315520"/>
+            <a:ext cx="4426560" cy="2315520"/>
+          </a:xfrm>
+          <a:prstGeom prst="rect">
+            <a:avLst/>
+          </a:prstGeom>
+        </p:spPr>
+        <p:txBody>
+          <a:bodyPr lIns="0" rIns="0" tIns="0" bIns="0">
+            <a:normAutofit/>
+          </a:bodyPr>
+          <a:p>
+            <a:endParaRPr b="0" lang="en-US" sz="3200" spc="-1" strike="noStrike">
+              <a:latin typeface="Arial"/>
+            </a:endParaRPr>
+          </a:p>
+        </p:txBody>
+      </p:sp>
+      <p:sp>
+        <p:nvSpPr>
+          <p:cNvPr id="30" name="PlaceHolder 5"/>
+          <p:cNvSpPr>
+            <a:spLocks noGrp="1"/>
+          </p:cNvSpPr>
+          <p:nvPr>
+            <p:ph type="body"/>
+          </p:nvPr>
+        </p:nvSpPr>
+        <p:spPr>
+          <a:xfrm>
+            <a:off x="5152320" y="4304880"/>
+            <a:ext cx="4426560" cy="2315520"/>
           </a:xfrm>
           <a:prstGeom prst="rect">
             <a:avLst/>
@@ -337,7 +340,7 @@
       </p:grpSpPr>
       <p:sp>
         <p:nvSpPr>
-          <p:cNvPr id="34" name="PlaceHolder 1"/>
+          <p:cNvPr id="31" name="PlaceHolder 1"/>
           <p:cNvSpPr>
             <a:spLocks noGrp="1"/>
           </p:cNvSpPr>
@@ -348,7 +351,7 @@
         <p:spPr>
           <a:xfrm>
             <a:off x="504000" y="301320"/>
-            <a:ext cx="9071640" cy="1262160"/>
+            <a:ext cx="9071280" cy="1261800"/>
           </a:xfrm>
           <a:prstGeom prst="rect">
             <a:avLst/>
@@ -366,7 +369,7 @@
       </p:sp>
       <p:sp>
         <p:nvSpPr>
-          <p:cNvPr id="35" name="PlaceHolder 2"/>
+          <p:cNvPr id="32" name="PlaceHolder 2"/>
           <p:cNvSpPr>
             <a:spLocks noGrp="1"/>
           </p:cNvSpPr>
@@ -396,7 +399,7 @@
       </p:sp>
       <p:sp>
         <p:nvSpPr>
-          <p:cNvPr id="36" name="PlaceHolder 3"/>
+          <p:cNvPr id="33" name="PlaceHolder 3"/>
           <p:cNvSpPr>
             <a:spLocks noGrp="1"/>
           </p:cNvSpPr>
@@ -426,7 +429,7 @@
       </p:sp>
       <p:sp>
         <p:nvSpPr>
-          <p:cNvPr id="37" name="PlaceHolder 4"/>
+          <p:cNvPr id="34" name="PlaceHolder 4"/>
           <p:cNvSpPr>
             <a:spLocks noGrp="1"/>
           </p:cNvSpPr>
@@ -456,7 +459,7 @@
       </p:sp>
       <p:sp>
         <p:nvSpPr>
-          <p:cNvPr id="38" name="PlaceHolder 5"/>
+          <p:cNvPr id="35" name="PlaceHolder 5"/>
           <p:cNvSpPr>
             <a:spLocks noGrp="1"/>
           </p:cNvSpPr>
@@ -486,7 +489,7 @@
       </p:sp>
       <p:sp>
         <p:nvSpPr>
-          <p:cNvPr id="39" name="PlaceHolder 6"/>
+          <p:cNvPr id="36" name="PlaceHolder 6"/>
           <p:cNvSpPr>
             <a:spLocks noGrp="1"/>
           </p:cNvSpPr>
@@ -516,7 +519,7 @@
       </p:sp>
       <p:sp>
         <p:nvSpPr>
-          <p:cNvPr id="40" name="PlaceHolder 7"/>
+          <p:cNvPr id="37" name="PlaceHolder 7"/>
           <p:cNvSpPr>
             <a:spLocks noGrp="1"/>
           </p:cNvSpPr>
@@ -590,7 +593,7 @@
       </p:grpSpPr>
       <p:sp>
         <p:nvSpPr>
-          <p:cNvPr id="46" name="PlaceHolder 1"/>
+          <p:cNvPr id="40" name="PlaceHolder 1"/>
           <p:cNvSpPr>
             <a:spLocks noGrp="1"/>
           </p:cNvSpPr>
@@ -601,7 +604,7 @@
         <p:spPr>
           <a:xfrm>
             <a:off x="504000" y="301320"/>
-            <a:ext cx="9071640" cy="1262160"/>
+            <a:ext cx="9071280" cy="1261800"/>
           </a:xfrm>
           <a:prstGeom prst="rect">
             <a:avLst/>
@@ -619,7 +622,7 @@
       </p:sp>
       <p:sp>
         <p:nvSpPr>
-          <p:cNvPr id="47" name="PlaceHolder 2"/>
+          <p:cNvPr id="41" name="PlaceHolder 2"/>
           <p:cNvSpPr>
             <a:spLocks noGrp="1"/>
           </p:cNvSpPr>
@@ -630,7 +633,7 @@
         <p:spPr>
           <a:xfrm>
             <a:off x="504000" y="1769040"/>
-            <a:ext cx="9071640" cy="4854960"/>
+            <a:ext cx="9071280" cy="4854600"/>
           </a:xfrm>
           <a:prstGeom prst="rect">
             <a:avLst/>
@@ -670,7 +673,7 @@
       </p:grpSpPr>
       <p:sp>
         <p:nvSpPr>
-          <p:cNvPr id="48" name="PlaceHolder 1"/>
+          <p:cNvPr id="42" name="PlaceHolder 1"/>
           <p:cNvSpPr>
             <a:spLocks noGrp="1"/>
           </p:cNvSpPr>
@@ -681,7 +684,7 @@
         <p:spPr>
           <a:xfrm>
             <a:off x="504000" y="301320"/>
-            <a:ext cx="9071640" cy="1262160"/>
+            <a:ext cx="9071280" cy="1261800"/>
           </a:xfrm>
           <a:prstGeom prst="rect">
             <a:avLst/>
@@ -699,7 +702,7 @@
       </p:sp>
       <p:sp>
         <p:nvSpPr>
-          <p:cNvPr id="49" name="PlaceHolder 2"/>
+          <p:cNvPr id="43" name="PlaceHolder 2"/>
           <p:cNvSpPr>
             <a:spLocks noGrp="1"/>
           </p:cNvSpPr>
@@ -710,7 +713,7 @@
         <p:spPr>
           <a:xfrm>
             <a:off x="504000" y="1769040"/>
-            <a:ext cx="9071640" cy="4854960"/>
+            <a:ext cx="9071280" cy="4854600"/>
           </a:xfrm>
           <a:prstGeom prst="rect">
             <a:avLst/>
@@ -751,7 +754,7 @@
       </p:grpSpPr>
       <p:sp>
         <p:nvSpPr>
-          <p:cNvPr id="50" name="PlaceHolder 1"/>
+          <p:cNvPr id="44" name="PlaceHolder 1"/>
           <p:cNvSpPr>
             <a:spLocks noGrp="1"/>
           </p:cNvSpPr>
@@ -762,7 +765,7 @@
         <p:spPr>
           <a:xfrm>
             <a:off x="504000" y="301320"/>
-            <a:ext cx="9071640" cy="1262160"/>
+            <a:ext cx="9071280" cy="1261800"/>
           </a:xfrm>
           <a:prstGeom prst="rect">
             <a:avLst/>
@@ -780,7 +783,7 @@
       </p:sp>
       <p:sp>
         <p:nvSpPr>
-          <p:cNvPr id="51" name="PlaceHolder 2"/>
+          <p:cNvPr id="45" name="PlaceHolder 2"/>
           <p:cNvSpPr>
             <a:spLocks noGrp="1"/>
           </p:cNvSpPr>
@@ -791,37 +794,37 @@
         <p:spPr>
           <a:xfrm>
             <a:off x="504000" y="1769040"/>
-            <a:ext cx="4426920" cy="4854960"/>
-          </a:xfrm>
-          <a:prstGeom prst="rect">
-            <a:avLst/>
-          </a:prstGeom>
-        </p:spPr>
-        <p:txBody>
-          <a:bodyPr lIns="0" rIns="0" tIns="0" bIns="0">
-            <a:normAutofit/>
-          </a:bodyPr>
-          <a:p>
-            <a:endParaRPr b="0" lang="en-US" sz="3200" spc="-1" strike="noStrike">
-              <a:latin typeface="Arial"/>
-            </a:endParaRPr>
-          </a:p>
-        </p:txBody>
-      </p:sp>
-      <p:sp>
-        <p:nvSpPr>
-          <p:cNvPr id="52" name="PlaceHolder 3"/>
-          <p:cNvSpPr>
-            <a:spLocks noGrp="1"/>
-          </p:cNvSpPr>
-          <p:nvPr>
-            <p:ph type="body"/>
-          </p:nvPr>
-        </p:nvSpPr>
-        <p:spPr>
-          <a:xfrm>
-            <a:off x="5152680" y="1769040"/>
-            <a:ext cx="4426920" cy="4854960"/>
+            <a:ext cx="4426560" cy="4854600"/>
+          </a:xfrm>
+          <a:prstGeom prst="rect">
+            <a:avLst/>
+          </a:prstGeom>
+        </p:spPr>
+        <p:txBody>
+          <a:bodyPr lIns="0" rIns="0" tIns="0" bIns="0">
+            <a:normAutofit/>
+          </a:bodyPr>
+          <a:p>
+            <a:endParaRPr b="0" lang="en-US" sz="3200" spc="-1" strike="noStrike">
+              <a:latin typeface="Arial"/>
+            </a:endParaRPr>
+          </a:p>
+        </p:txBody>
+      </p:sp>
+      <p:sp>
+        <p:nvSpPr>
+          <p:cNvPr id="46" name="PlaceHolder 3"/>
+          <p:cNvSpPr>
+            <a:spLocks noGrp="1"/>
+          </p:cNvSpPr>
+          <p:nvPr>
+            <p:ph type="body"/>
+          </p:nvPr>
+        </p:nvSpPr>
+        <p:spPr>
+          <a:xfrm>
+            <a:off x="5152320" y="1769040"/>
+            <a:ext cx="4426560" cy="4854600"/>
           </a:xfrm>
           <a:prstGeom prst="rect">
             <a:avLst/>
@@ -862,7 +865,7 @@
       </p:grpSpPr>
       <p:sp>
         <p:nvSpPr>
-          <p:cNvPr id="53" name="PlaceHolder 1"/>
+          <p:cNvPr id="47" name="PlaceHolder 1"/>
           <p:cNvSpPr>
             <a:spLocks noGrp="1"/>
           </p:cNvSpPr>
@@ -873,7 +876,7 @@
         <p:spPr>
           <a:xfrm>
             <a:off x="504000" y="301320"/>
-            <a:ext cx="9071640" cy="1262160"/>
+            <a:ext cx="9071280" cy="1261800"/>
           </a:xfrm>
           <a:prstGeom prst="rect">
             <a:avLst/>
@@ -913,7 +916,7 @@
       </p:grpSpPr>
       <p:sp>
         <p:nvSpPr>
-          <p:cNvPr id="54" name="PlaceHolder 1"/>
+          <p:cNvPr id="48" name="PlaceHolder 1"/>
           <p:cNvSpPr>
             <a:spLocks noGrp="1"/>
           </p:cNvSpPr>
@@ -924,7 +927,7 @@
         <p:spPr>
           <a:xfrm>
             <a:off x="504000" y="301320"/>
-            <a:ext cx="9071640" cy="5851800"/>
+            <a:ext cx="9071280" cy="5850360"/>
           </a:xfrm>
           <a:prstGeom prst="rect">
             <a:avLst/>
@@ -964,7 +967,7 @@
       </p:grpSpPr>
       <p:sp>
         <p:nvSpPr>
-          <p:cNvPr id="55" name="PlaceHolder 1"/>
+          <p:cNvPr id="49" name="PlaceHolder 1"/>
           <p:cNvSpPr>
             <a:spLocks noGrp="1"/>
           </p:cNvSpPr>
@@ -975,7 +978,7 @@
         <p:spPr>
           <a:xfrm>
             <a:off x="504000" y="301320"/>
-            <a:ext cx="9071640" cy="1262160"/>
+            <a:ext cx="9071280" cy="1261800"/>
           </a:xfrm>
           <a:prstGeom prst="rect">
             <a:avLst/>
@@ -993,7 +996,7 @@
       </p:sp>
       <p:sp>
         <p:nvSpPr>
-          <p:cNvPr id="56" name="PlaceHolder 2"/>
+          <p:cNvPr id="50" name="PlaceHolder 2"/>
           <p:cNvSpPr>
             <a:spLocks noGrp="1"/>
           </p:cNvSpPr>
@@ -1004,56 +1007,56 @@
         <p:spPr>
           <a:xfrm>
             <a:off x="504000" y="1769040"/>
-            <a:ext cx="4426920" cy="2315520"/>
-          </a:xfrm>
-          <a:prstGeom prst="rect">
-            <a:avLst/>
-          </a:prstGeom>
-        </p:spPr>
-        <p:txBody>
-          <a:bodyPr lIns="0" rIns="0" tIns="0" bIns="0">
-            <a:normAutofit/>
-          </a:bodyPr>
-          <a:p>
-            <a:endParaRPr b="0" lang="en-US" sz="3200" spc="-1" strike="noStrike">
-              <a:latin typeface="Arial"/>
-            </a:endParaRPr>
-          </a:p>
-        </p:txBody>
-      </p:sp>
-      <p:sp>
-        <p:nvSpPr>
-          <p:cNvPr id="57" name="PlaceHolder 3"/>
-          <p:cNvSpPr>
-            <a:spLocks noGrp="1"/>
-          </p:cNvSpPr>
-          <p:nvPr>
-            <p:ph type="body"/>
-          </p:nvPr>
-        </p:nvSpPr>
-        <p:spPr>
-          <a:xfrm>
-            <a:off x="5152680" y="1769040"/>
-            <a:ext cx="4426920" cy="4854960"/>
-          </a:xfrm>
-          <a:prstGeom prst="rect">
-            <a:avLst/>
-          </a:prstGeom>
-        </p:spPr>
-        <p:txBody>
-          <a:bodyPr lIns="0" rIns="0" tIns="0" bIns="0">
-            <a:normAutofit/>
-          </a:bodyPr>
-          <a:p>
-            <a:endParaRPr b="0" lang="en-US" sz="3200" spc="-1" strike="noStrike">
-              <a:latin typeface="Arial"/>
-            </a:endParaRPr>
-          </a:p>
-        </p:txBody>
-      </p:sp>
-      <p:sp>
-        <p:nvSpPr>
-          <p:cNvPr id="58" name="PlaceHolder 4"/>
+            <a:ext cx="4426560" cy="2315520"/>
+          </a:xfrm>
+          <a:prstGeom prst="rect">
+            <a:avLst/>
+          </a:prstGeom>
+        </p:spPr>
+        <p:txBody>
+          <a:bodyPr lIns="0" rIns="0" tIns="0" bIns="0">
+            <a:normAutofit/>
+          </a:bodyPr>
+          <a:p>
+            <a:endParaRPr b="0" lang="en-US" sz="3200" spc="-1" strike="noStrike">
+              <a:latin typeface="Arial"/>
+            </a:endParaRPr>
+          </a:p>
+        </p:txBody>
+      </p:sp>
+      <p:sp>
+        <p:nvSpPr>
+          <p:cNvPr id="51" name="PlaceHolder 3"/>
+          <p:cNvSpPr>
+            <a:spLocks noGrp="1"/>
+          </p:cNvSpPr>
+          <p:nvPr>
+            <p:ph type="body"/>
+          </p:nvPr>
+        </p:nvSpPr>
+        <p:spPr>
+          <a:xfrm>
+            <a:off x="5152320" y="1769040"/>
+            <a:ext cx="4426560" cy="4854600"/>
+          </a:xfrm>
+          <a:prstGeom prst="rect">
+            <a:avLst/>
+          </a:prstGeom>
+        </p:spPr>
+        <p:txBody>
+          <a:bodyPr lIns="0" rIns="0" tIns="0" bIns="0">
+            <a:normAutofit/>
+          </a:bodyPr>
+          <a:p>
+            <a:endParaRPr b="0" lang="en-US" sz="3200" spc="-1" strike="noStrike">
+              <a:latin typeface="Arial"/>
+            </a:endParaRPr>
+          </a:p>
+        </p:txBody>
+      </p:sp>
+      <p:sp>
+        <p:nvSpPr>
+          <p:cNvPr id="52" name="PlaceHolder 4"/>
           <p:cNvSpPr>
             <a:spLocks noGrp="1"/>
           </p:cNvSpPr>
@@ -1064,7 +1067,7 @@
         <p:spPr>
           <a:xfrm>
             <a:off x="504000" y="4304880"/>
-            <a:ext cx="4426920" cy="2315520"/>
+            <a:ext cx="4426560" cy="2315520"/>
           </a:xfrm>
           <a:prstGeom prst="rect">
             <a:avLst/>
@@ -1105,7 +1108,7 @@
       </p:grpSpPr>
       <p:sp>
         <p:nvSpPr>
-          <p:cNvPr id="5" name="PlaceHolder 1"/>
+          <p:cNvPr id="2" name="PlaceHolder 1"/>
           <p:cNvSpPr>
             <a:spLocks noGrp="1"/>
           </p:cNvSpPr>
@@ -1116,7 +1119,7 @@
         <p:spPr>
           <a:xfrm>
             <a:off x="504000" y="301320"/>
-            <a:ext cx="9071640" cy="1262160"/>
+            <a:ext cx="9071280" cy="1261800"/>
           </a:xfrm>
           <a:prstGeom prst="rect">
             <a:avLst/>
@@ -1134,7 +1137,7 @@
       </p:sp>
       <p:sp>
         <p:nvSpPr>
-          <p:cNvPr id="6" name="PlaceHolder 2"/>
+          <p:cNvPr id="3" name="PlaceHolder 2"/>
           <p:cNvSpPr>
             <a:spLocks noGrp="1"/>
           </p:cNvSpPr>
@@ -1145,7 +1148,7 @@
         <p:spPr>
           <a:xfrm>
             <a:off x="504000" y="1769040"/>
-            <a:ext cx="9071640" cy="4854960"/>
+            <a:ext cx="9071280" cy="4854600"/>
           </a:xfrm>
           <a:prstGeom prst="rect">
             <a:avLst/>
@@ -1185,7 +1188,7 @@
       </p:grpSpPr>
       <p:sp>
         <p:nvSpPr>
-          <p:cNvPr id="59" name="PlaceHolder 1"/>
+          <p:cNvPr id="53" name="PlaceHolder 1"/>
           <p:cNvSpPr>
             <a:spLocks noGrp="1"/>
           </p:cNvSpPr>
@@ -1196,7 +1199,7 @@
         <p:spPr>
           <a:xfrm>
             <a:off x="504000" y="301320"/>
-            <a:ext cx="9071640" cy="1262160"/>
+            <a:ext cx="9071280" cy="1261800"/>
           </a:xfrm>
           <a:prstGeom prst="rect">
             <a:avLst/>
@@ -1214,7 +1217,7 @@
       </p:sp>
       <p:sp>
         <p:nvSpPr>
-          <p:cNvPr id="60" name="PlaceHolder 2"/>
+          <p:cNvPr id="54" name="PlaceHolder 2"/>
           <p:cNvSpPr>
             <a:spLocks noGrp="1"/>
           </p:cNvSpPr>
@@ -1225,67 +1228,67 @@
         <p:spPr>
           <a:xfrm>
             <a:off x="504000" y="1769040"/>
-            <a:ext cx="4426920" cy="4854960"/>
-          </a:xfrm>
-          <a:prstGeom prst="rect">
-            <a:avLst/>
-          </a:prstGeom>
-        </p:spPr>
-        <p:txBody>
-          <a:bodyPr lIns="0" rIns="0" tIns="0" bIns="0">
-            <a:normAutofit/>
-          </a:bodyPr>
-          <a:p>
-            <a:endParaRPr b="0" lang="en-US" sz="3200" spc="-1" strike="noStrike">
-              <a:latin typeface="Arial"/>
-            </a:endParaRPr>
-          </a:p>
-        </p:txBody>
-      </p:sp>
-      <p:sp>
-        <p:nvSpPr>
-          <p:cNvPr id="61" name="PlaceHolder 3"/>
-          <p:cNvSpPr>
-            <a:spLocks noGrp="1"/>
-          </p:cNvSpPr>
-          <p:nvPr>
-            <p:ph type="body"/>
-          </p:nvPr>
-        </p:nvSpPr>
-        <p:spPr>
-          <a:xfrm>
-            <a:off x="5152680" y="1769040"/>
-            <a:ext cx="4426920" cy="2315520"/>
-          </a:xfrm>
-          <a:prstGeom prst="rect">
-            <a:avLst/>
-          </a:prstGeom>
-        </p:spPr>
-        <p:txBody>
-          <a:bodyPr lIns="0" rIns="0" tIns="0" bIns="0">
-            <a:normAutofit/>
-          </a:bodyPr>
-          <a:p>
-            <a:endParaRPr b="0" lang="en-US" sz="3200" spc="-1" strike="noStrike">
-              <a:latin typeface="Arial"/>
-            </a:endParaRPr>
-          </a:p>
-        </p:txBody>
-      </p:sp>
-      <p:sp>
-        <p:nvSpPr>
-          <p:cNvPr id="62" name="PlaceHolder 4"/>
-          <p:cNvSpPr>
-            <a:spLocks noGrp="1"/>
-          </p:cNvSpPr>
-          <p:nvPr>
-            <p:ph type="body"/>
-          </p:nvPr>
-        </p:nvSpPr>
-        <p:spPr>
-          <a:xfrm>
-            <a:off x="5152680" y="4304880"/>
-            <a:ext cx="4426920" cy="2315520"/>
+            <a:ext cx="4426560" cy="4854600"/>
+          </a:xfrm>
+          <a:prstGeom prst="rect">
+            <a:avLst/>
+          </a:prstGeom>
+        </p:spPr>
+        <p:txBody>
+          <a:bodyPr lIns="0" rIns="0" tIns="0" bIns="0">
+            <a:normAutofit/>
+          </a:bodyPr>
+          <a:p>
+            <a:endParaRPr b="0" lang="en-US" sz="3200" spc="-1" strike="noStrike">
+              <a:latin typeface="Arial"/>
+            </a:endParaRPr>
+          </a:p>
+        </p:txBody>
+      </p:sp>
+      <p:sp>
+        <p:nvSpPr>
+          <p:cNvPr id="55" name="PlaceHolder 3"/>
+          <p:cNvSpPr>
+            <a:spLocks noGrp="1"/>
+          </p:cNvSpPr>
+          <p:nvPr>
+            <p:ph type="body"/>
+          </p:nvPr>
+        </p:nvSpPr>
+        <p:spPr>
+          <a:xfrm>
+            <a:off x="5152320" y="1769040"/>
+            <a:ext cx="4426560" cy="2315520"/>
+          </a:xfrm>
+          <a:prstGeom prst="rect">
+            <a:avLst/>
+          </a:prstGeom>
+        </p:spPr>
+        <p:txBody>
+          <a:bodyPr lIns="0" rIns="0" tIns="0" bIns="0">
+            <a:normAutofit/>
+          </a:bodyPr>
+          <a:p>
+            <a:endParaRPr b="0" lang="en-US" sz="3200" spc="-1" strike="noStrike">
+              <a:latin typeface="Arial"/>
+            </a:endParaRPr>
+          </a:p>
+        </p:txBody>
+      </p:sp>
+      <p:sp>
+        <p:nvSpPr>
+          <p:cNvPr id="56" name="PlaceHolder 4"/>
+          <p:cNvSpPr>
+            <a:spLocks noGrp="1"/>
+          </p:cNvSpPr>
+          <p:nvPr>
+            <p:ph type="body"/>
+          </p:nvPr>
+        </p:nvSpPr>
+        <p:spPr>
+          <a:xfrm>
+            <a:off x="5152320" y="4304880"/>
+            <a:ext cx="4426560" cy="2315520"/>
           </a:xfrm>
           <a:prstGeom prst="rect">
             <a:avLst/>
@@ -1326,7 +1329,7 @@
       </p:grpSpPr>
       <p:sp>
         <p:nvSpPr>
-          <p:cNvPr id="63" name="PlaceHolder 1"/>
+          <p:cNvPr id="57" name="PlaceHolder 1"/>
           <p:cNvSpPr>
             <a:spLocks noGrp="1"/>
           </p:cNvSpPr>
@@ -1337,7 +1340,7 @@
         <p:spPr>
           <a:xfrm>
             <a:off x="504000" y="301320"/>
-            <a:ext cx="9071640" cy="1262160"/>
+            <a:ext cx="9071280" cy="1261800"/>
           </a:xfrm>
           <a:prstGeom prst="rect">
             <a:avLst/>
@@ -1355,7 +1358,7 @@
       </p:sp>
       <p:sp>
         <p:nvSpPr>
-          <p:cNvPr id="64" name="PlaceHolder 2"/>
+          <p:cNvPr id="58" name="PlaceHolder 2"/>
           <p:cNvSpPr>
             <a:spLocks noGrp="1"/>
           </p:cNvSpPr>
@@ -1366,56 +1369,56 @@
         <p:spPr>
           <a:xfrm>
             <a:off x="504000" y="1769040"/>
-            <a:ext cx="4426920" cy="2315520"/>
-          </a:xfrm>
-          <a:prstGeom prst="rect">
-            <a:avLst/>
-          </a:prstGeom>
-        </p:spPr>
-        <p:txBody>
-          <a:bodyPr lIns="0" rIns="0" tIns="0" bIns="0">
-            <a:normAutofit/>
-          </a:bodyPr>
-          <a:p>
-            <a:endParaRPr b="0" lang="en-US" sz="3200" spc="-1" strike="noStrike">
-              <a:latin typeface="Arial"/>
-            </a:endParaRPr>
-          </a:p>
-        </p:txBody>
-      </p:sp>
-      <p:sp>
-        <p:nvSpPr>
-          <p:cNvPr id="65" name="PlaceHolder 3"/>
-          <p:cNvSpPr>
-            <a:spLocks noGrp="1"/>
-          </p:cNvSpPr>
-          <p:nvPr>
-            <p:ph type="body"/>
-          </p:nvPr>
-        </p:nvSpPr>
-        <p:spPr>
-          <a:xfrm>
-            <a:off x="5152680" y="1769040"/>
-            <a:ext cx="4426920" cy="2315520"/>
-          </a:xfrm>
-          <a:prstGeom prst="rect">
-            <a:avLst/>
-          </a:prstGeom>
-        </p:spPr>
-        <p:txBody>
-          <a:bodyPr lIns="0" rIns="0" tIns="0" bIns="0">
-            <a:normAutofit/>
-          </a:bodyPr>
-          <a:p>
-            <a:endParaRPr b="0" lang="en-US" sz="3200" spc="-1" strike="noStrike">
-              <a:latin typeface="Arial"/>
-            </a:endParaRPr>
-          </a:p>
-        </p:txBody>
-      </p:sp>
-      <p:sp>
-        <p:nvSpPr>
-          <p:cNvPr id="66" name="PlaceHolder 4"/>
+            <a:ext cx="4426560" cy="2315520"/>
+          </a:xfrm>
+          <a:prstGeom prst="rect">
+            <a:avLst/>
+          </a:prstGeom>
+        </p:spPr>
+        <p:txBody>
+          <a:bodyPr lIns="0" rIns="0" tIns="0" bIns="0">
+            <a:normAutofit/>
+          </a:bodyPr>
+          <a:p>
+            <a:endParaRPr b="0" lang="en-US" sz="3200" spc="-1" strike="noStrike">
+              <a:latin typeface="Arial"/>
+            </a:endParaRPr>
+          </a:p>
+        </p:txBody>
+      </p:sp>
+      <p:sp>
+        <p:nvSpPr>
+          <p:cNvPr id="59" name="PlaceHolder 3"/>
+          <p:cNvSpPr>
+            <a:spLocks noGrp="1"/>
+          </p:cNvSpPr>
+          <p:nvPr>
+            <p:ph type="body"/>
+          </p:nvPr>
+        </p:nvSpPr>
+        <p:spPr>
+          <a:xfrm>
+            <a:off x="5152320" y="1769040"/>
+            <a:ext cx="4426560" cy="2315520"/>
+          </a:xfrm>
+          <a:prstGeom prst="rect">
+            <a:avLst/>
+          </a:prstGeom>
+        </p:spPr>
+        <p:txBody>
+          <a:bodyPr lIns="0" rIns="0" tIns="0" bIns="0">
+            <a:normAutofit/>
+          </a:bodyPr>
+          <a:p>
+            <a:endParaRPr b="0" lang="en-US" sz="3200" spc="-1" strike="noStrike">
+              <a:latin typeface="Arial"/>
+            </a:endParaRPr>
+          </a:p>
+        </p:txBody>
+      </p:sp>
+      <p:sp>
+        <p:nvSpPr>
+          <p:cNvPr id="60" name="PlaceHolder 4"/>
           <p:cNvSpPr>
             <a:spLocks noGrp="1"/>
           </p:cNvSpPr>
@@ -1426,7 +1429,7 @@
         <p:spPr>
           <a:xfrm>
             <a:off x="504000" y="4304880"/>
-            <a:ext cx="9071640" cy="2315520"/>
+            <a:ext cx="9071280" cy="2315520"/>
           </a:xfrm>
           <a:prstGeom prst="rect">
             <a:avLst/>
@@ -1467,7 +1470,7 @@
       </p:grpSpPr>
       <p:sp>
         <p:nvSpPr>
-          <p:cNvPr id="67" name="PlaceHolder 1"/>
+          <p:cNvPr id="61" name="PlaceHolder 1"/>
           <p:cNvSpPr>
             <a:spLocks noGrp="1"/>
           </p:cNvSpPr>
@@ -1478,7 +1481,7 @@
         <p:spPr>
           <a:xfrm>
             <a:off x="504000" y="301320"/>
-            <a:ext cx="9071640" cy="1262160"/>
+            <a:ext cx="9071280" cy="1261800"/>
           </a:xfrm>
           <a:prstGeom prst="rect">
             <a:avLst/>
@@ -1496,7 +1499,7 @@
       </p:sp>
       <p:sp>
         <p:nvSpPr>
-          <p:cNvPr id="68" name="PlaceHolder 2"/>
+          <p:cNvPr id="62" name="PlaceHolder 2"/>
           <p:cNvSpPr>
             <a:spLocks noGrp="1"/>
           </p:cNvSpPr>
@@ -1507,26 +1510,26 @@
         <p:spPr>
           <a:xfrm>
             <a:off x="504000" y="1769040"/>
-            <a:ext cx="9071640" cy="2315520"/>
-          </a:xfrm>
-          <a:prstGeom prst="rect">
-            <a:avLst/>
-          </a:prstGeom>
-        </p:spPr>
-        <p:txBody>
-          <a:bodyPr lIns="0" rIns="0" tIns="0" bIns="0">
-            <a:normAutofit/>
-          </a:bodyPr>
-          <a:p>
-            <a:endParaRPr b="0" lang="en-US" sz="3200" spc="-1" strike="noStrike">
-              <a:latin typeface="Arial"/>
-            </a:endParaRPr>
-          </a:p>
-        </p:txBody>
-      </p:sp>
-      <p:sp>
-        <p:nvSpPr>
-          <p:cNvPr id="69" name="PlaceHolder 3"/>
+            <a:ext cx="9071280" cy="2315520"/>
+          </a:xfrm>
+          <a:prstGeom prst="rect">
+            <a:avLst/>
+          </a:prstGeom>
+        </p:spPr>
+        <p:txBody>
+          <a:bodyPr lIns="0" rIns="0" tIns="0" bIns="0">
+            <a:normAutofit/>
+          </a:bodyPr>
+          <a:p>
+            <a:endParaRPr b="0" lang="en-US" sz="3200" spc="-1" strike="noStrike">
+              <a:latin typeface="Arial"/>
+            </a:endParaRPr>
+          </a:p>
+        </p:txBody>
+      </p:sp>
+      <p:sp>
+        <p:nvSpPr>
+          <p:cNvPr id="63" name="PlaceHolder 3"/>
           <p:cNvSpPr>
             <a:spLocks noGrp="1"/>
           </p:cNvSpPr>
@@ -1537,7 +1540,7 @@
         <p:spPr>
           <a:xfrm>
             <a:off x="504000" y="4304880"/>
-            <a:ext cx="9071640" cy="2315520"/>
+            <a:ext cx="9071280" cy="2315520"/>
           </a:xfrm>
           <a:prstGeom prst="rect">
             <a:avLst/>
@@ -1578,7 +1581,7 @@
       </p:grpSpPr>
       <p:sp>
         <p:nvSpPr>
-          <p:cNvPr id="70" name="PlaceHolder 1"/>
+          <p:cNvPr id="64" name="PlaceHolder 1"/>
           <p:cNvSpPr>
             <a:spLocks noGrp="1"/>
           </p:cNvSpPr>
@@ -1589,7 +1592,7 @@
         <p:spPr>
           <a:xfrm>
             <a:off x="504000" y="301320"/>
-            <a:ext cx="9071640" cy="1262160"/>
+            <a:ext cx="9071280" cy="1261800"/>
           </a:xfrm>
           <a:prstGeom prst="rect">
             <a:avLst/>
@@ -1607,7 +1610,7 @@
       </p:sp>
       <p:sp>
         <p:nvSpPr>
-          <p:cNvPr id="71" name="PlaceHolder 2"/>
+          <p:cNvPr id="65" name="PlaceHolder 2"/>
           <p:cNvSpPr>
             <a:spLocks noGrp="1"/>
           </p:cNvSpPr>
@@ -1618,56 +1621,56 @@
         <p:spPr>
           <a:xfrm>
             <a:off x="504000" y="1769040"/>
-            <a:ext cx="4426920" cy="2315520"/>
-          </a:xfrm>
-          <a:prstGeom prst="rect">
-            <a:avLst/>
-          </a:prstGeom>
-        </p:spPr>
-        <p:txBody>
-          <a:bodyPr lIns="0" rIns="0" tIns="0" bIns="0">
-            <a:normAutofit/>
-          </a:bodyPr>
-          <a:p>
-            <a:endParaRPr b="0" lang="en-US" sz="3200" spc="-1" strike="noStrike">
-              <a:latin typeface="Arial"/>
-            </a:endParaRPr>
-          </a:p>
-        </p:txBody>
-      </p:sp>
-      <p:sp>
-        <p:nvSpPr>
-          <p:cNvPr id="72" name="PlaceHolder 3"/>
-          <p:cNvSpPr>
-            <a:spLocks noGrp="1"/>
-          </p:cNvSpPr>
-          <p:nvPr>
-            <p:ph type="body"/>
-          </p:nvPr>
-        </p:nvSpPr>
-        <p:spPr>
-          <a:xfrm>
-            <a:off x="5152680" y="1769040"/>
-            <a:ext cx="4426920" cy="2315520"/>
-          </a:xfrm>
-          <a:prstGeom prst="rect">
-            <a:avLst/>
-          </a:prstGeom>
-        </p:spPr>
-        <p:txBody>
-          <a:bodyPr lIns="0" rIns="0" tIns="0" bIns="0">
-            <a:normAutofit/>
-          </a:bodyPr>
-          <a:p>
-            <a:endParaRPr b="0" lang="en-US" sz="3200" spc="-1" strike="noStrike">
-              <a:latin typeface="Arial"/>
-            </a:endParaRPr>
-          </a:p>
-        </p:txBody>
-      </p:sp>
-      <p:sp>
-        <p:nvSpPr>
-          <p:cNvPr id="73" name="PlaceHolder 4"/>
+            <a:ext cx="4426560" cy="2315520"/>
+          </a:xfrm>
+          <a:prstGeom prst="rect">
+            <a:avLst/>
+          </a:prstGeom>
+        </p:spPr>
+        <p:txBody>
+          <a:bodyPr lIns="0" rIns="0" tIns="0" bIns="0">
+            <a:normAutofit/>
+          </a:bodyPr>
+          <a:p>
+            <a:endParaRPr b="0" lang="en-US" sz="3200" spc="-1" strike="noStrike">
+              <a:latin typeface="Arial"/>
+            </a:endParaRPr>
+          </a:p>
+        </p:txBody>
+      </p:sp>
+      <p:sp>
+        <p:nvSpPr>
+          <p:cNvPr id="66" name="PlaceHolder 3"/>
+          <p:cNvSpPr>
+            <a:spLocks noGrp="1"/>
+          </p:cNvSpPr>
+          <p:nvPr>
+            <p:ph type="body"/>
+          </p:nvPr>
+        </p:nvSpPr>
+        <p:spPr>
+          <a:xfrm>
+            <a:off x="5152320" y="1769040"/>
+            <a:ext cx="4426560" cy="2315520"/>
+          </a:xfrm>
+          <a:prstGeom prst="rect">
+            <a:avLst/>
+          </a:prstGeom>
+        </p:spPr>
+        <p:txBody>
+          <a:bodyPr lIns="0" rIns="0" tIns="0" bIns="0">
+            <a:normAutofit/>
+          </a:bodyPr>
+          <a:p>
+            <a:endParaRPr b="0" lang="en-US" sz="3200" spc="-1" strike="noStrike">
+              <a:latin typeface="Arial"/>
+            </a:endParaRPr>
+          </a:p>
+        </p:txBody>
+      </p:sp>
+      <p:sp>
+        <p:nvSpPr>
+          <p:cNvPr id="67" name="PlaceHolder 4"/>
           <p:cNvSpPr>
             <a:spLocks noGrp="1"/>
           </p:cNvSpPr>
@@ -1678,37 +1681,37 @@
         <p:spPr>
           <a:xfrm>
             <a:off x="504000" y="4304880"/>
-            <a:ext cx="4426920" cy="2315520"/>
-          </a:xfrm>
-          <a:prstGeom prst="rect">
-            <a:avLst/>
-          </a:prstGeom>
-        </p:spPr>
-        <p:txBody>
-          <a:bodyPr lIns="0" rIns="0" tIns="0" bIns="0">
-            <a:normAutofit/>
-          </a:bodyPr>
-          <a:p>
-            <a:endParaRPr b="0" lang="en-US" sz="3200" spc="-1" strike="noStrike">
-              <a:latin typeface="Arial"/>
-            </a:endParaRPr>
-          </a:p>
-        </p:txBody>
-      </p:sp>
-      <p:sp>
-        <p:nvSpPr>
-          <p:cNvPr id="74" name="PlaceHolder 5"/>
-          <p:cNvSpPr>
-            <a:spLocks noGrp="1"/>
-          </p:cNvSpPr>
-          <p:nvPr>
-            <p:ph type="body"/>
-          </p:nvPr>
-        </p:nvSpPr>
-        <p:spPr>
-          <a:xfrm>
-            <a:off x="5152680" y="4304880"/>
-            <a:ext cx="4426920" cy="2315520"/>
+            <a:ext cx="4426560" cy="2315520"/>
+          </a:xfrm>
+          <a:prstGeom prst="rect">
+            <a:avLst/>
+          </a:prstGeom>
+        </p:spPr>
+        <p:txBody>
+          <a:bodyPr lIns="0" rIns="0" tIns="0" bIns="0">
+            <a:normAutofit/>
+          </a:bodyPr>
+          <a:p>
+            <a:endParaRPr b="0" lang="en-US" sz="3200" spc="-1" strike="noStrike">
+              <a:latin typeface="Arial"/>
+            </a:endParaRPr>
+          </a:p>
+        </p:txBody>
+      </p:sp>
+      <p:sp>
+        <p:nvSpPr>
+          <p:cNvPr id="68" name="PlaceHolder 5"/>
+          <p:cNvSpPr>
+            <a:spLocks noGrp="1"/>
+          </p:cNvSpPr>
+          <p:nvPr>
+            <p:ph type="body"/>
+          </p:nvPr>
+        </p:nvSpPr>
+        <p:spPr>
+          <a:xfrm>
+            <a:off x="5152320" y="4304880"/>
+            <a:ext cx="4426560" cy="2315520"/>
           </a:xfrm>
           <a:prstGeom prst="rect">
             <a:avLst/>
@@ -1749,7 +1752,7 @@
       </p:grpSpPr>
       <p:sp>
         <p:nvSpPr>
-          <p:cNvPr id="75" name="PlaceHolder 1"/>
+          <p:cNvPr id="69" name="PlaceHolder 1"/>
           <p:cNvSpPr>
             <a:spLocks noGrp="1"/>
           </p:cNvSpPr>
@@ -1760,7 +1763,7 @@
         <p:spPr>
           <a:xfrm>
             <a:off x="504000" y="301320"/>
-            <a:ext cx="9071640" cy="1262160"/>
+            <a:ext cx="9071280" cy="1261800"/>
           </a:xfrm>
           <a:prstGeom prst="rect">
             <a:avLst/>
@@ -1778,7 +1781,7 @@
       </p:sp>
       <p:sp>
         <p:nvSpPr>
-          <p:cNvPr id="76" name="PlaceHolder 2"/>
+          <p:cNvPr id="70" name="PlaceHolder 2"/>
           <p:cNvSpPr>
             <a:spLocks noGrp="1"/>
           </p:cNvSpPr>
@@ -1808,7 +1811,7 @@
       </p:sp>
       <p:sp>
         <p:nvSpPr>
-          <p:cNvPr id="77" name="PlaceHolder 3"/>
+          <p:cNvPr id="71" name="PlaceHolder 3"/>
           <p:cNvSpPr>
             <a:spLocks noGrp="1"/>
           </p:cNvSpPr>
@@ -1838,7 +1841,7 @@
       </p:sp>
       <p:sp>
         <p:nvSpPr>
-          <p:cNvPr id="78" name="PlaceHolder 4"/>
+          <p:cNvPr id="72" name="PlaceHolder 4"/>
           <p:cNvSpPr>
             <a:spLocks noGrp="1"/>
           </p:cNvSpPr>
@@ -1868,7 +1871,7 @@
       </p:sp>
       <p:sp>
         <p:nvSpPr>
-          <p:cNvPr id="79" name="PlaceHolder 5"/>
+          <p:cNvPr id="73" name="PlaceHolder 5"/>
           <p:cNvSpPr>
             <a:spLocks noGrp="1"/>
           </p:cNvSpPr>
@@ -1898,7 +1901,7 @@
       </p:sp>
       <p:sp>
         <p:nvSpPr>
-          <p:cNvPr id="80" name="PlaceHolder 6"/>
+          <p:cNvPr id="74" name="PlaceHolder 6"/>
           <p:cNvSpPr>
             <a:spLocks noGrp="1"/>
           </p:cNvSpPr>
@@ -1928,7 +1931,7 @@
       </p:sp>
       <p:sp>
         <p:nvSpPr>
-          <p:cNvPr id="81" name="PlaceHolder 7"/>
+          <p:cNvPr id="75" name="PlaceHolder 7"/>
           <p:cNvSpPr>
             <a:spLocks noGrp="1"/>
           </p:cNvSpPr>
@@ -1980,7 +1983,7 @@
       </p:grpSpPr>
       <p:sp>
         <p:nvSpPr>
-          <p:cNvPr id="7" name="PlaceHolder 1"/>
+          <p:cNvPr id="4" name="PlaceHolder 1"/>
           <p:cNvSpPr>
             <a:spLocks noGrp="1"/>
           </p:cNvSpPr>
@@ -1991,7 +1994,7 @@
         <p:spPr>
           <a:xfrm>
             <a:off x="504000" y="301320"/>
-            <a:ext cx="9071640" cy="1262160"/>
+            <a:ext cx="9071280" cy="1261800"/>
           </a:xfrm>
           <a:prstGeom prst="rect">
             <a:avLst/>
@@ -2009,7 +2012,7 @@
       </p:sp>
       <p:sp>
         <p:nvSpPr>
-          <p:cNvPr id="8" name="PlaceHolder 2"/>
+          <p:cNvPr id="5" name="PlaceHolder 2"/>
           <p:cNvSpPr>
             <a:spLocks noGrp="1"/>
           </p:cNvSpPr>
@@ -2020,7 +2023,7 @@
         <p:spPr>
           <a:xfrm>
             <a:off x="504000" y="1769040"/>
-            <a:ext cx="9071640" cy="4854960"/>
+            <a:ext cx="9071280" cy="4854600"/>
           </a:xfrm>
           <a:prstGeom prst="rect">
             <a:avLst/>
@@ -2061,7 +2064,7 @@
       </p:grpSpPr>
       <p:sp>
         <p:nvSpPr>
-          <p:cNvPr id="9" name="PlaceHolder 1"/>
+          <p:cNvPr id="6" name="PlaceHolder 1"/>
           <p:cNvSpPr>
             <a:spLocks noGrp="1"/>
           </p:cNvSpPr>
@@ -2072,7 +2075,7 @@
         <p:spPr>
           <a:xfrm>
             <a:off x="504000" y="301320"/>
-            <a:ext cx="9071640" cy="1262160"/>
+            <a:ext cx="9071280" cy="1261800"/>
           </a:xfrm>
           <a:prstGeom prst="rect">
             <a:avLst/>
@@ -2090,7 +2093,7 @@
       </p:sp>
       <p:sp>
         <p:nvSpPr>
-          <p:cNvPr id="10" name="PlaceHolder 2"/>
+          <p:cNvPr id="7" name="PlaceHolder 2"/>
           <p:cNvSpPr>
             <a:spLocks noGrp="1"/>
           </p:cNvSpPr>
@@ -2101,37 +2104,37 @@
         <p:spPr>
           <a:xfrm>
             <a:off x="504000" y="1769040"/>
-            <a:ext cx="4426920" cy="4854960"/>
-          </a:xfrm>
-          <a:prstGeom prst="rect">
-            <a:avLst/>
-          </a:prstGeom>
-        </p:spPr>
-        <p:txBody>
-          <a:bodyPr lIns="0" rIns="0" tIns="0" bIns="0">
-            <a:normAutofit/>
-          </a:bodyPr>
-          <a:p>
-            <a:endParaRPr b="0" lang="en-US" sz="3200" spc="-1" strike="noStrike">
-              <a:latin typeface="Arial"/>
-            </a:endParaRPr>
-          </a:p>
-        </p:txBody>
-      </p:sp>
-      <p:sp>
-        <p:nvSpPr>
-          <p:cNvPr id="11" name="PlaceHolder 3"/>
-          <p:cNvSpPr>
-            <a:spLocks noGrp="1"/>
-          </p:cNvSpPr>
-          <p:nvPr>
-            <p:ph type="body"/>
-          </p:nvPr>
-        </p:nvSpPr>
-        <p:spPr>
-          <a:xfrm>
-            <a:off x="5152680" y="1769040"/>
-            <a:ext cx="4426920" cy="4854960"/>
+            <a:ext cx="4426560" cy="4854600"/>
+          </a:xfrm>
+          <a:prstGeom prst="rect">
+            <a:avLst/>
+          </a:prstGeom>
+        </p:spPr>
+        <p:txBody>
+          <a:bodyPr lIns="0" rIns="0" tIns="0" bIns="0">
+            <a:normAutofit/>
+          </a:bodyPr>
+          <a:p>
+            <a:endParaRPr b="0" lang="en-US" sz="3200" spc="-1" strike="noStrike">
+              <a:latin typeface="Arial"/>
+            </a:endParaRPr>
+          </a:p>
+        </p:txBody>
+      </p:sp>
+      <p:sp>
+        <p:nvSpPr>
+          <p:cNvPr id="8" name="PlaceHolder 3"/>
+          <p:cNvSpPr>
+            <a:spLocks noGrp="1"/>
+          </p:cNvSpPr>
+          <p:nvPr>
+            <p:ph type="body"/>
+          </p:nvPr>
+        </p:nvSpPr>
+        <p:spPr>
+          <a:xfrm>
+            <a:off x="5152320" y="1769040"/>
+            <a:ext cx="4426560" cy="4854600"/>
           </a:xfrm>
           <a:prstGeom prst="rect">
             <a:avLst/>
@@ -2172,7 +2175,7 @@
       </p:grpSpPr>
       <p:sp>
         <p:nvSpPr>
-          <p:cNvPr id="12" name="PlaceHolder 1"/>
+          <p:cNvPr id="9" name="PlaceHolder 1"/>
           <p:cNvSpPr>
             <a:spLocks noGrp="1"/>
           </p:cNvSpPr>
@@ -2183,7 +2186,7 @@
         <p:spPr>
           <a:xfrm>
             <a:off x="504000" y="301320"/>
-            <a:ext cx="9071640" cy="1262160"/>
+            <a:ext cx="9071280" cy="1261800"/>
           </a:xfrm>
           <a:prstGeom prst="rect">
             <a:avLst/>
@@ -2223,7 +2226,7 @@
       </p:grpSpPr>
       <p:sp>
         <p:nvSpPr>
-          <p:cNvPr id="13" name="PlaceHolder 1"/>
+          <p:cNvPr id="10" name="PlaceHolder 1"/>
           <p:cNvSpPr>
             <a:spLocks noGrp="1"/>
           </p:cNvSpPr>
@@ -2234,7 +2237,7 @@
         <p:spPr>
           <a:xfrm>
             <a:off x="504000" y="301320"/>
-            <a:ext cx="9071640" cy="5851800"/>
+            <a:ext cx="9071280" cy="5850360"/>
           </a:xfrm>
           <a:prstGeom prst="rect">
             <a:avLst/>
@@ -2274,7 +2277,7 @@
       </p:grpSpPr>
       <p:sp>
         <p:nvSpPr>
-          <p:cNvPr id="14" name="PlaceHolder 1"/>
+          <p:cNvPr id="11" name="PlaceHolder 1"/>
           <p:cNvSpPr>
             <a:spLocks noGrp="1"/>
           </p:cNvSpPr>
@@ -2285,7 +2288,7 @@
         <p:spPr>
           <a:xfrm>
             <a:off x="504000" y="301320"/>
-            <a:ext cx="9071640" cy="1262160"/>
+            <a:ext cx="9071280" cy="1261800"/>
           </a:xfrm>
           <a:prstGeom prst="rect">
             <a:avLst/>
@@ -2303,7 +2306,7 @@
       </p:sp>
       <p:sp>
         <p:nvSpPr>
-          <p:cNvPr id="15" name="PlaceHolder 2"/>
+          <p:cNvPr id="12" name="PlaceHolder 2"/>
           <p:cNvSpPr>
             <a:spLocks noGrp="1"/>
           </p:cNvSpPr>
@@ -2314,56 +2317,56 @@
         <p:spPr>
           <a:xfrm>
             <a:off x="504000" y="1769040"/>
-            <a:ext cx="4426920" cy="2315520"/>
-          </a:xfrm>
-          <a:prstGeom prst="rect">
-            <a:avLst/>
-          </a:prstGeom>
-        </p:spPr>
-        <p:txBody>
-          <a:bodyPr lIns="0" rIns="0" tIns="0" bIns="0">
-            <a:normAutofit/>
-          </a:bodyPr>
-          <a:p>
-            <a:endParaRPr b="0" lang="en-US" sz="3200" spc="-1" strike="noStrike">
-              <a:latin typeface="Arial"/>
-            </a:endParaRPr>
-          </a:p>
-        </p:txBody>
-      </p:sp>
-      <p:sp>
-        <p:nvSpPr>
-          <p:cNvPr id="16" name="PlaceHolder 3"/>
-          <p:cNvSpPr>
-            <a:spLocks noGrp="1"/>
-          </p:cNvSpPr>
-          <p:nvPr>
-            <p:ph type="body"/>
-          </p:nvPr>
-        </p:nvSpPr>
-        <p:spPr>
-          <a:xfrm>
-            <a:off x="5152680" y="1769040"/>
-            <a:ext cx="4426920" cy="4854960"/>
-          </a:xfrm>
-          <a:prstGeom prst="rect">
-            <a:avLst/>
-          </a:prstGeom>
-        </p:spPr>
-        <p:txBody>
-          <a:bodyPr lIns="0" rIns="0" tIns="0" bIns="0">
-            <a:normAutofit/>
-          </a:bodyPr>
-          <a:p>
-            <a:endParaRPr b="0" lang="en-US" sz="3200" spc="-1" strike="noStrike">
-              <a:latin typeface="Arial"/>
-            </a:endParaRPr>
-          </a:p>
-        </p:txBody>
-      </p:sp>
-      <p:sp>
-        <p:nvSpPr>
-          <p:cNvPr id="17" name="PlaceHolder 4"/>
+            <a:ext cx="4426560" cy="2315520"/>
+          </a:xfrm>
+          <a:prstGeom prst="rect">
+            <a:avLst/>
+          </a:prstGeom>
+        </p:spPr>
+        <p:txBody>
+          <a:bodyPr lIns="0" rIns="0" tIns="0" bIns="0">
+            <a:normAutofit/>
+          </a:bodyPr>
+          <a:p>
+            <a:endParaRPr b="0" lang="en-US" sz="3200" spc="-1" strike="noStrike">
+              <a:latin typeface="Arial"/>
+            </a:endParaRPr>
+          </a:p>
+        </p:txBody>
+      </p:sp>
+      <p:sp>
+        <p:nvSpPr>
+          <p:cNvPr id="13" name="PlaceHolder 3"/>
+          <p:cNvSpPr>
+            <a:spLocks noGrp="1"/>
+          </p:cNvSpPr>
+          <p:nvPr>
+            <p:ph type="body"/>
+          </p:nvPr>
+        </p:nvSpPr>
+        <p:spPr>
+          <a:xfrm>
+            <a:off x="5152320" y="1769040"/>
+            <a:ext cx="4426560" cy="4854600"/>
+          </a:xfrm>
+          <a:prstGeom prst="rect">
+            <a:avLst/>
+          </a:prstGeom>
+        </p:spPr>
+        <p:txBody>
+          <a:bodyPr lIns="0" rIns="0" tIns="0" bIns="0">
+            <a:normAutofit/>
+          </a:bodyPr>
+          <a:p>
+            <a:endParaRPr b="0" lang="en-US" sz="3200" spc="-1" strike="noStrike">
+              <a:latin typeface="Arial"/>
+            </a:endParaRPr>
+          </a:p>
+        </p:txBody>
+      </p:sp>
+      <p:sp>
+        <p:nvSpPr>
+          <p:cNvPr id="14" name="PlaceHolder 4"/>
           <p:cNvSpPr>
             <a:spLocks noGrp="1"/>
           </p:cNvSpPr>
@@ -2374,7 +2377,7 @@
         <p:spPr>
           <a:xfrm>
             <a:off x="504000" y="4304880"/>
-            <a:ext cx="4426920" cy="2315520"/>
+            <a:ext cx="4426560" cy="2315520"/>
           </a:xfrm>
           <a:prstGeom prst="rect">
             <a:avLst/>
@@ -2415,7 +2418,7 @@
       </p:grpSpPr>
       <p:sp>
         <p:nvSpPr>
-          <p:cNvPr id="18" name="PlaceHolder 1"/>
+          <p:cNvPr id="15" name="PlaceHolder 1"/>
           <p:cNvSpPr>
             <a:spLocks noGrp="1"/>
           </p:cNvSpPr>
@@ -2426,7 +2429,7 @@
         <p:spPr>
           <a:xfrm>
             <a:off x="504000" y="301320"/>
-            <a:ext cx="9071640" cy="1262160"/>
+            <a:ext cx="9071280" cy="1261800"/>
           </a:xfrm>
           <a:prstGeom prst="rect">
             <a:avLst/>
@@ -2444,7 +2447,7 @@
       </p:sp>
       <p:sp>
         <p:nvSpPr>
-          <p:cNvPr id="19" name="PlaceHolder 2"/>
+          <p:cNvPr id="16" name="PlaceHolder 2"/>
           <p:cNvSpPr>
             <a:spLocks noGrp="1"/>
           </p:cNvSpPr>
@@ -2455,67 +2458,67 @@
         <p:spPr>
           <a:xfrm>
             <a:off x="504000" y="1769040"/>
-            <a:ext cx="4426920" cy="4854960"/>
-          </a:xfrm>
-          <a:prstGeom prst="rect">
-            <a:avLst/>
-          </a:prstGeom>
-        </p:spPr>
-        <p:txBody>
-          <a:bodyPr lIns="0" rIns="0" tIns="0" bIns="0">
-            <a:normAutofit/>
-          </a:bodyPr>
-          <a:p>
-            <a:endParaRPr b="0" lang="en-US" sz="3200" spc="-1" strike="noStrike">
-              <a:latin typeface="Arial"/>
-            </a:endParaRPr>
-          </a:p>
-        </p:txBody>
-      </p:sp>
-      <p:sp>
-        <p:nvSpPr>
-          <p:cNvPr id="20" name="PlaceHolder 3"/>
-          <p:cNvSpPr>
-            <a:spLocks noGrp="1"/>
-          </p:cNvSpPr>
-          <p:nvPr>
-            <p:ph type="body"/>
-          </p:nvPr>
-        </p:nvSpPr>
-        <p:spPr>
-          <a:xfrm>
-            <a:off x="5152680" y="1769040"/>
-            <a:ext cx="4426920" cy="2315520"/>
-          </a:xfrm>
-          <a:prstGeom prst="rect">
-            <a:avLst/>
-          </a:prstGeom>
-        </p:spPr>
-        <p:txBody>
-          <a:bodyPr lIns="0" rIns="0" tIns="0" bIns="0">
-            <a:normAutofit/>
-          </a:bodyPr>
-          <a:p>
-            <a:endParaRPr b="0" lang="en-US" sz="3200" spc="-1" strike="noStrike">
-              <a:latin typeface="Arial"/>
-            </a:endParaRPr>
-          </a:p>
-        </p:txBody>
-      </p:sp>
-      <p:sp>
-        <p:nvSpPr>
-          <p:cNvPr id="21" name="PlaceHolder 4"/>
-          <p:cNvSpPr>
-            <a:spLocks noGrp="1"/>
-          </p:cNvSpPr>
-          <p:nvPr>
-            <p:ph type="body"/>
-          </p:nvPr>
-        </p:nvSpPr>
-        <p:spPr>
-          <a:xfrm>
-            <a:off x="5152680" y="4304880"/>
-            <a:ext cx="4426920" cy="2315520"/>
+            <a:ext cx="4426560" cy="4854600"/>
+          </a:xfrm>
+          <a:prstGeom prst="rect">
+            <a:avLst/>
+          </a:prstGeom>
+        </p:spPr>
+        <p:txBody>
+          <a:bodyPr lIns="0" rIns="0" tIns="0" bIns="0">
+            <a:normAutofit/>
+          </a:bodyPr>
+          <a:p>
+            <a:endParaRPr b="0" lang="en-US" sz="3200" spc="-1" strike="noStrike">
+              <a:latin typeface="Arial"/>
+            </a:endParaRPr>
+          </a:p>
+        </p:txBody>
+      </p:sp>
+      <p:sp>
+        <p:nvSpPr>
+          <p:cNvPr id="17" name="PlaceHolder 3"/>
+          <p:cNvSpPr>
+            <a:spLocks noGrp="1"/>
+          </p:cNvSpPr>
+          <p:nvPr>
+            <p:ph type="body"/>
+          </p:nvPr>
+        </p:nvSpPr>
+        <p:spPr>
+          <a:xfrm>
+            <a:off x="5152320" y="1769040"/>
+            <a:ext cx="4426560" cy="2315520"/>
+          </a:xfrm>
+          <a:prstGeom prst="rect">
+            <a:avLst/>
+          </a:prstGeom>
+        </p:spPr>
+        <p:txBody>
+          <a:bodyPr lIns="0" rIns="0" tIns="0" bIns="0">
+            <a:normAutofit/>
+          </a:bodyPr>
+          <a:p>
+            <a:endParaRPr b="0" lang="en-US" sz="3200" spc="-1" strike="noStrike">
+              <a:latin typeface="Arial"/>
+            </a:endParaRPr>
+          </a:p>
+        </p:txBody>
+      </p:sp>
+      <p:sp>
+        <p:nvSpPr>
+          <p:cNvPr id="18" name="PlaceHolder 4"/>
+          <p:cNvSpPr>
+            <a:spLocks noGrp="1"/>
+          </p:cNvSpPr>
+          <p:nvPr>
+            <p:ph type="body"/>
+          </p:nvPr>
+        </p:nvSpPr>
+        <p:spPr>
+          <a:xfrm>
+            <a:off x="5152320" y="4304880"/>
+            <a:ext cx="4426560" cy="2315520"/>
           </a:xfrm>
           <a:prstGeom prst="rect">
             <a:avLst/>
@@ -2556,7 +2559,7 @@
       </p:grpSpPr>
       <p:sp>
         <p:nvSpPr>
-          <p:cNvPr id="22" name="PlaceHolder 1"/>
+          <p:cNvPr id="19" name="PlaceHolder 1"/>
           <p:cNvSpPr>
             <a:spLocks noGrp="1"/>
           </p:cNvSpPr>
@@ -2567,7 +2570,7 @@
         <p:spPr>
           <a:xfrm>
             <a:off x="504000" y="301320"/>
-            <a:ext cx="9071640" cy="1262160"/>
+            <a:ext cx="9071280" cy="1261800"/>
           </a:xfrm>
           <a:prstGeom prst="rect">
             <a:avLst/>
@@ -2585,7 +2588,7 @@
       </p:sp>
       <p:sp>
         <p:nvSpPr>
-          <p:cNvPr id="23" name="PlaceHolder 2"/>
+          <p:cNvPr id="20" name="PlaceHolder 2"/>
           <p:cNvSpPr>
             <a:spLocks noGrp="1"/>
           </p:cNvSpPr>
@@ -2596,56 +2599,56 @@
         <p:spPr>
           <a:xfrm>
             <a:off x="504000" y="1769040"/>
-            <a:ext cx="4426920" cy="2315520"/>
-          </a:xfrm>
-          <a:prstGeom prst="rect">
-            <a:avLst/>
-          </a:prstGeom>
-        </p:spPr>
-        <p:txBody>
-          <a:bodyPr lIns="0" rIns="0" tIns="0" bIns="0">
-            <a:normAutofit/>
-          </a:bodyPr>
-          <a:p>
-            <a:endParaRPr b="0" lang="en-US" sz="3200" spc="-1" strike="noStrike">
-              <a:latin typeface="Arial"/>
-            </a:endParaRPr>
-          </a:p>
-        </p:txBody>
-      </p:sp>
-      <p:sp>
-        <p:nvSpPr>
-          <p:cNvPr id="24" name="PlaceHolder 3"/>
-          <p:cNvSpPr>
-            <a:spLocks noGrp="1"/>
-          </p:cNvSpPr>
-          <p:nvPr>
-            <p:ph type="body"/>
-          </p:nvPr>
-        </p:nvSpPr>
-        <p:spPr>
-          <a:xfrm>
-            <a:off x="5152680" y="1769040"/>
-            <a:ext cx="4426920" cy="2315520"/>
-          </a:xfrm>
-          <a:prstGeom prst="rect">
-            <a:avLst/>
-          </a:prstGeom>
-        </p:spPr>
-        <p:txBody>
-          <a:bodyPr lIns="0" rIns="0" tIns="0" bIns="0">
-            <a:normAutofit/>
-          </a:bodyPr>
-          <a:p>
-            <a:endParaRPr b="0" lang="en-US" sz="3200" spc="-1" strike="noStrike">
-              <a:latin typeface="Arial"/>
-            </a:endParaRPr>
-          </a:p>
-        </p:txBody>
-      </p:sp>
-      <p:sp>
-        <p:nvSpPr>
-          <p:cNvPr id="25" name="PlaceHolder 4"/>
+            <a:ext cx="4426560" cy="2315520"/>
+          </a:xfrm>
+          <a:prstGeom prst="rect">
+            <a:avLst/>
+          </a:prstGeom>
+        </p:spPr>
+        <p:txBody>
+          <a:bodyPr lIns="0" rIns="0" tIns="0" bIns="0">
+            <a:normAutofit/>
+          </a:bodyPr>
+          <a:p>
+            <a:endParaRPr b="0" lang="en-US" sz="3200" spc="-1" strike="noStrike">
+              <a:latin typeface="Arial"/>
+            </a:endParaRPr>
+          </a:p>
+        </p:txBody>
+      </p:sp>
+      <p:sp>
+        <p:nvSpPr>
+          <p:cNvPr id="21" name="PlaceHolder 3"/>
+          <p:cNvSpPr>
+            <a:spLocks noGrp="1"/>
+          </p:cNvSpPr>
+          <p:nvPr>
+            <p:ph type="body"/>
+          </p:nvPr>
+        </p:nvSpPr>
+        <p:spPr>
+          <a:xfrm>
+            <a:off x="5152320" y="1769040"/>
+            <a:ext cx="4426560" cy="2315520"/>
+          </a:xfrm>
+          <a:prstGeom prst="rect">
+            <a:avLst/>
+          </a:prstGeom>
+        </p:spPr>
+        <p:txBody>
+          <a:bodyPr lIns="0" rIns="0" tIns="0" bIns="0">
+            <a:normAutofit/>
+          </a:bodyPr>
+          <a:p>
+            <a:endParaRPr b="0" lang="en-US" sz="3200" spc="-1" strike="noStrike">
+              <a:latin typeface="Arial"/>
+            </a:endParaRPr>
+          </a:p>
+        </p:txBody>
+      </p:sp>
+      <p:sp>
+        <p:nvSpPr>
+          <p:cNvPr id="22" name="PlaceHolder 4"/>
           <p:cNvSpPr>
             <a:spLocks noGrp="1"/>
           </p:cNvSpPr>
@@ -2656,7 +2659,7 @@
         <p:spPr>
           <a:xfrm>
             <a:off x="504000" y="4304880"/>
-            <a:ext cx="9071640" cy="2315520"/>
+            <a:ext cx="9071280" cy="2315520"/>
           </a:xfrm>
           <a:prstGeom prst="rect">
             <a:avLst/>
@@ -2717,8 +2720,8 @@
         </p:nvSpPr>
         <p:spPr>
           <a:xfrm>
-            <a:off x="288000" y="1728000"/>
-            <a:ext cx="8927640" cy="1786680"/>
+            <a:off x="504000" y="301320"/>
+            <a:ext cx="9071280" cy="1261800"/>
           </a:xfrm>
           <a:prstGeom prst="rect">
             <a:avLst/>
@@ -2728,12 +2731,12 @@
           <a:bodyPr lIns="0" rIns="0" tIns="0" bIns="0" anchor="ctr"/>
           <a:p>
             <a:r>
-              <a:rPr b="0" lang="en-US" sz="4400" spc="-1" strike="noStrike">
+              <a:rPr b="0" lang="en-US" sz="1800" spc="-1" strike="noStrike">
                 <a:latin typeface="Arial"/>
               </a:rPr>
               <a:t>Click to edit the title text format</a:t>
             </a:r>
-            <a:endParaRPr b="0" lang="en-US" sz="4400" spc="-1" strike="noStrike">
+            <a:endParaRPr b="0" lang="en-US" sz="1800" spc="-1" strike="noStrike">
               <a:latin typeface="Arial"/>
             </a:endParaRPr>
           </a:p>
@@ -2751,22 +2754,22 @@
         </p:nvSpPr>
         <p:spPr>
           <a:xfrm>
-            <a:off x="4032360" y="3854520"/>
-            <a:ext cx="5183640" cy="969480"/>
-          </a:xfrm>
-          <a:prstGeom prst="rect">
-            <a:avLst/>
-          </a:prstGeom>
-        </p:spPr>
-        <p:txBody>
-          <a:bodyPr lIns="0" rIns="0" tIns="0" bIns="0">
-            <a:normAutofit/>
-          </a:bodyPr>
-          <a:p>
-            <a:pPr marL="432000" indent="-324000" algn="r">
-              <a:spcAft>
+            <a:off x="504000" y="1768680"/>
+            <a:ext cx="9072000" cy="4384080"/>
+          </a:xfrm>
+          <a:prstGeom prst="rect">
+            <a:avLst/>
+          </a:prstGeom>
+        </p:spPr>
+        <p:txBody>
+          <a:bodyPr lIns="0" rIns="0" tIns="0" bIns="0">
+            <a:normAutofit/>
+          </a:bodyPr>
+          <a:p>
+            <a:pPr marL="432000" indent="-324000">
+              <a:spcBef>
                 <a:spcPts val="1417"/>
-              </a:spcAft>
+              </a:spcBef>
               <a:buClr>
                 <a:srgbClr val="000000"/>
               </a:buClr>
@@ -2785,10 +2788,10 @@
             </a:endParaRPr>
           </a:p>
           <a:p>
-            <a:pPr lvl="1" marL="864000" indent="-324000" algn="r">
-              <a:spcAft>
+            <a:pPr lvl="1" marL="864000" indent="-324000">
+              <a:spcBef>
                 <a:spcPts val="1134"/>
-              </a:spcAft>
+              </a:spcBef>
               <a:buClr>
                 <a:srgbClr val="000000"/>
               </a:buClr>
@@ -2807,10 +2810,10 @@
             </a:endParaRPr>
           </a:p>
           <a:p>
-            <a:pPr lvl="2" marL="1296000" indent="-288000" algn="r">
-              <a:spcAft>
+            <a:pPr lvl="2" marL="1296000" indent="-288000">
+              <a:spcBef>
                 <a:spcPts val="850"/>
-              </a:spcAft>
+              </a:spcBef>
               <a:buClr>
                 <a:srgbClr val="000000"/>
               </a:buClr>
@@ -2829,10 +2832,10 @@
             </a:endParaRPr>
           </a:p>
           <a:p>
-            <a:pPr lvl="3" marL="1728000" indent="-216000" algn="r">
-              <a:spcAft>
+            <a:pPr lvl="3" marL="1728000" indent="-216000">
+              <a:spcBef>
                 <a:spcPts val="567"/>
-              </a:spcAft>
+              </a:spcBef>
               <a:buClr>
                 <a:srgbClr val="000000"/>
               </a:buClr>
@@ -2851,10 +2854,10 @@
             </a:endParaRPr>
           </a:p>
           <a:p>
-            <a:pPr lvl="4" marL="2160000" indent="-216000" algn="r">
-              <a:spcAft>
+            <a:pPr lvl="4" marL="2160000" indent="-216000">
+              <a:spcBef>
                 <a:spcPts val="283"/>
-              </a:spcAft>
+              </a:spcBef>
               <a:buClr>
                 <a:srgbClr val="000000"/>
               </a:buClr>
@@ -2873,10 +2876,10 @@
             </a:endParaRPr>
           </a:p>
           <a:p>
-            <a:pPr lvl="5" marL="2592000" indent="-216000" algn="r">
-              <a:spcAft>
+            <a:pPr lvl="5" marL="2592000" indent="-216000">
+              <a:spcBef>
                 <a:spcPts val="283"/>
-              </a:spcAft>
+              </a:spcBef>
               <a:buClr>
                 <a:srgbClr val="000000"/>
               </a:buClr>
@@ -2895,10 +2898,10 @@
             </a:endParaRPr>
           </a:p>
           <a:p>
-            <a:pPr lvl="6" marL="3024000" indent="-216000" algn="r">
-              <a:spcAft>
+            <a:pPr lvl="6" marL="3024000" indent="-216000">
+              <a:spcBef>
                 <a:spcPts val="283"/>
-              </a:spcAft>
+              </a:spcBef>
               <a:buClr>
                 <a:srgbClr val="000000"/>
               </a:buClr>
@@ -2914,111 +2917,6 @@
             </a:r>
             <a:endParaRPr b="0" lang="en-US" sz="2000" spc="-1" strike="noStrike">
               <a:latin typeface="Arial"/>
-            </a:endParaRPr>
-          </a:p>
-        </p:txBody>
-      </p:sp>
-      <p:sp>
-        <p:nvSpPr>
-          <p:cNvPr id="2" name="PlaceHolder 3"/>
-          <p:cNvSpPr>
-            <a:spLocks noGrp="1"/>
-          </p:cNvSpPr>
-          <p:nvPr>
-            <p:ph type="dt"/>
-          </p:nvPr>
-        </p:nvSpPr>
-        <p:spPr>
-          <a:xfrm>
-            <a:off x="0" y="7200000"/>
-            <a:ext cx="2348280" cy="233280"/>
-          </a:xfrm>
-          <a:prstGeom prst="rect">
-            <a:avLst/>
-          </a:prstGeom>
-        </p:spPr>
-        <p:txBody>
-          <a:bodyPr lIns="0" rIns="0" tIns="0" bIns="0"/>
-          <a:p>
-            <a:pPr algn="ctr"/>
-            <a:r>
-              <a:rPr b="0" lang="en-US" sz="1400" spc="-1" strike="noStrike">
-                <a:latin typeface="Times New Roman"/>
-              </a:rPr>
-              <a:t>&lt;date/time&gt;</a:t>
-            </a:r>
-            <a:endParaRPr b="0" lang="en-US" sz="1400" spc="-1" strike="noStrike">
-              <a:latin typeface="Times New Roman"/>
-            </a:endParaRPr>
-          </a:p>
-        </p:txBody>
-      </p:sp>
-      <p:sp>
-        <p:nvSpPr>
-          <p:cNvPr id="3" name="PlaceHolder 4"/>
-          <p:cNvSpPr>
-            <a:spLocks noGrp="1"/>
-          </p:cNvSpPr>
-          <p:nvPr>
-            <p:ph type="ftr"/>
-          </p:nvPr>
-        </p:nvSpPr>
-        <p:spPr>
-          <a:xfrm>
-            <a:off x="3447360" y="7200000"/>
-            <a:ext cx="3195000" cy="172440"/>
-          </a:xfrm>
-          <a:prstGeom prst="rect">
-            <a:avLst/>
-          </a:prstGeom>
-        </p:spPr>
-        <p:txBody>
-          <a:bodyPr lIns="0" rIns="0" tIns="0" bIns="0"/>
-          <a:p>
-            <a:pPr algn="ctr"/>
-            <a:r>
-              <a:rPr b="0" lang="en-US" sz="1400" spc="-1" strike="noStrike">
-                <a:latin typeface="Times New Roman"/>
-              </a:rPr>
-              <a:t>&lt;footer&gt;</a:t>
-            </a:r>
-            <a:endParaRPr b="0" lang="en-US" sz="1400" spc="-1" strike="noStrike">
-              <a:latin typeface="Times New Roman"/>
-            </a:endParaRPr>
-          </a:p>
-        </p:txBody>
-      </p:sp>
-      <p:sp>
-        <p:nvSpPr>
-          <p:cNvPr id="4" name="PlaceHolder 5"/>
-          <p:cNvSpPr>
-            <a:spLocks noGrp="1"/>
-          </p:cNvSpPr>
-          <p:nvPr>
-            <p:ph type="sldNum"/>
-          </p:nvPr>
-        </p:nvSpPr>
-        <p:spPr>
-          <a:xfrm>
-            <a:off x="9288000" y="7236000"/>
-            <a:ext cx="648000" cy="288000"/>
-          </a:xfrm>
-          <a:prstGeom prst="rect">
-            <a:avLst/>
-          </a:prstGeom>
-        </p:spPr>
-        <p:txBody>
-          <a:bodyPr lIns="0" rIns="0" tIns="0" bIns="0"/>
-          <a:p>
-            <a:pPr algn="r"/>
-            <a:fld id="{6424B8F5-8F23-4B38-AA05-7AB6CB92C281}" type="slidenum">
-              <a:rPr b="0" lang="en-US" sz="1400" spc="-1" strike="noStrike">
-                <a:latin typeface="Times New Roman"/>
-              </a:rPr>
-              <a:t>&lt;number&gt;</a:t>
-            </a:fld>
-            <a:endParaRPr b="0" lang="en-US" sz="1400" spc="-1" strike="noStrike">
-              <a:latin typeface="Times New Roman"/>
             </a:endParaRPr>
           </a:p>
         </p:txBody>
@@ -3072,7 +2970,7 @@
       </p:grpSpPr>
       <p:sp>
         <p:nvSpPr>
-          <p:cNvPr id="41" name="PlaceHolder 1"/>
+          <p:cNvPr id="38" name="PlaceHolder 1"/>
           <p:cNvSpPr>
             <a:spLocks noGrp="1"/>
           </p:cNvSpPr>
@@ -3083,7 +2981,7 @@
         <p:spPr>
           <a:xfrm>
             <a:off x="504000" y="301320"/>
-            <a:ext cx="9071640" cy="1262160"/>
+            <a:ext cx="9071280" cy="1261800"/>
           </a:xfrm>
           <a:prstGeom prst="rect">
             <a:avLst/>
@@ -3092,22 +2990,21 @@
         <p:txBody>
           <a:bodyPr lIns="0" rIns="0" tIns="0" bIns="0" anchor="ctr"/>
           <a:p>
-            <a:pPr algn="ctr"/>
             <a:r>
-              <a:rPr b="0" lang="en-US" sz="4400" spc="-1" strike="noStrike">
+              <a:rPr b="0" lang="en-US" sz="1800" spc="-1" strike="noStrike">
                 <a:latin typeface="Arial"/>
               </a:rPr>
               <a:t>Click to edit the title text format</a:t>
             </a:r>
-            <a:endParaRPr b="0" lang="en-US" sz="4400" spc="-1" strike="noStrike">
-              <a:latin typeface="Arial"/>
-            </a:endParaRPr>
-          </a:p>
-        </p:txBody>
-      </p:sp>
-      <p:sp>
-        <p:nvSpPr>
-          <p:cNvPr id="42" name="PlaceHolder 2"/>
+            <a:endParaRPr b="0" lang="en-US" sz="1800" spc="-1" strike="noStrike">
+              <a:latin typeface="Arial"/>
+            </a:endParaRPr>
+          </a:p>
+        </p:txBody>
+      </p:sp>
+      <p:sp>
+        <p:nvSpPr>
+          <p:cNvPr id="39" name="PlaceHolder 2"/>
           <p:cNvSpPr>
             <a:spLocks noGrp="1"/>
           </p:cNvSpPr>
@@ -3118,7 +3015,7 @@
         <p:spPr>
           <a:xfrm>
             <a:off x="504000" y="1769040"/>
-            <a:ext cx="9071640" cy="4854960"/>
+            <a:ext cx="9071280" cy="4854600"/>
           </a:xfrm>
           <a:prstGeom prst="rect">
             <a:avLst/>
@@ -3130,9 +3027,9 @@
           </a:bodyPr>
           <a:p>
             <a:pPr marL="432000" indent="-324000">
-              <a:spcAft>
+              <a:spcBef>
                 <a:spcPts val="1417"/>
-              </a:spcAft>
+              </a:spcBef>
               <a:buClr>
                 <a:srgbClr val="000000"/>
               </a:buClr>
@@ -3141,20 +3038,20 @@
               <a:buChar char=""/>
             </a:pPr>
             <a:r>
-              <a:rPr b="0" lang="en-US" sz="3200" spc="-1" strike="noStrike">
+              <a:rPr b="0" lang="en-US" sz="1800" spc="-1" strike="noStrike">
                 <a:latin typeface="Arial"/>
               </a:rPr>
               <a:t>Click to edit the outline text format</a:t>
             </a:r>
-            <a:endParaRPr b="0" lang="en-US" sz="3200" spc="-1" strike="noStrike">
+            <a:endParaRPr b="0" lang="en-US" sz="1800" spc="-1" strike="noStrike">
               <a:latin typeface="Arial"/>
             </a:endParaRPr>
           </a:p>
           <a:p>
             <a:pPr lvl="1" marL="864000" indent="-324000">
-              <a:spcAft>
+              <a:spcBef>
                 <a:spcPts val="1134"/>
-              </a:spcAft>
+              </a:spcBef>
               <a:buClr>
                 <a:srgbClr val="000000"/>
               </a:buClr>
@@ -3163,20 +3060,20 @@
               <a:buChar char=""/>
             </a:pPr>
             <a:r>
-              <a:rPr b="0" lang="en-US" sz="2800" spc="-1" strike="noStrike">
+              <a:rPr b="0" lang="en-US" sz="1800" spc="-1" strike="noStrike">
                 <a:latin typeface="Arial"/>
               </a:rPr>
               <a:t>Second Outline Level</a:t>
             </a:r>
-            <a:endParaRPr b="0" lang="en-US" sz="2800" spc="-1" strike="noStrike">
+            <a:endParaRPr b="0" lang="en-US" sz="1800" spc="-1" strike="noStrike">
               <a:latin typeface="Arial"/>
             </a:endParaRPr>
           </a:p>
           <a:p>
             <a:pPr lvl="2" marL="1296000" indent="-288000">
-              <a:spcAft>
+              <a:spcBef>
                 <a:spcPts val="850"/>
-              </a:spcAft>
+              </a:spcBef>
               <a:buClr>
                 <a:srgbClr val="000000"/>
               </a:buClr>
@@ -3185,20 +3082,20 @@
               <a:buChar char=""/>
             </a:pPr>
             <a:r>
-              <a:rPr b="0" lang="en-US" sz="2400" spc="-1" strike="noStrike">
+              <a:rPr b="0" lang="en-US" sz="1800" spc="-1" strike="noStrike">
                 <a:latin typeface="Arial"/>
               </a:rPr>
               <a:t>Third Outline Level</a:t>
             </a:r>
-            <a:endParaRPr b="0" lang="en-US" sz="2400" spc="-1" strike="noStrike">
+            <a:endParaRPr b="0" lang="en-US" sz="1800" spc="-1" strike="noStrike">
               <a:latin typeface="Arial"/>
             </a:endParaRPr>
           </a:p>
           <a:p>
             <a:pPr lvl="3" marL="1728000" indent="-216000">
-              <a:spcAft>
+              <a:spcBef>
                 <a:spcPts val="567"/>
-              </a:spcAft>
+              </a:spcBef>
               <a:buClr>
                 <a:srgbClr val="000000"/>
               </a:buClr>
@@ -3207,20 +3104,20 @@
               <a:buChar char=""/>
             </a:pPr>
             <a:r>
-              <a:rPr b="0" lang="en-US" sz="2000" spc="-1" strike="noStrike">
+              <a:rPr b="0" lang="en-US" sz="1800" spc="-1" strike="noStrike">
                 <a:latin typeface="Arial"/>
               </a:rPr>
               <a:t>Fourth Outline Level</a:t>
             </a:r>
-            <a:endParaRPr b="0" lang="en-US" sz="2000" spc="-1" strike="noStrike">
+            <a:endParaRPr b="0" lang="en-US" sz="1800" spc="-1" strike="noStrike">
               <a:latin typeface="Arial"/>
             </a:endParaRPr>
           </a:p>
           <a:p>
             <a:pPr lvl="4" marL="2160000" indent="-216000">
-              <a:spcAft>
+              <a:spcBef>
                 <a:spcPts val="283"/>
-              </a:spcAft>
+              </a:spcBef>
               <a:buClr>
                 <a:srgbClr val="000000"/>
               </a:buClr>
@@ -3229,20 +3126,20 @@
               <a:buChar char=""/>
             </a:pPr>
             <a:r>
-              <a:rPr b="0" lang="en-US" sz="2000" spc="-1" strike="noStrike">
+              <a:rPr b="0" lang="en-US" sz="1800" spc="-1" strike="noStrike">
                 <a:latin typeface="Arial"/>
               </a:rPr>
               <a:t>Fifth Outline Level</a:t>
             </a:r>
-            <a:endParaRPr b="0" lang="en-US" sz="2000" spc="-1" strike="noStrike">
+            <a:endParaRPr b="0" lang="en-US" sz="1800" spc="-1" strike="noStrike">
               <a:latin typeface="Arial"/>
             </a:endParaRPr>
           </a:p>
           <a:p>
             <a:pPr lvl="5" marL="2592000" indent="-216000">
-              <a:spcAft>
+              <a:spcBef>
                 <a:spcPts val="283"/>
-              </a:spcAft>
+              </a:spcBef>
               <a:buClr>
                 <a:srgbClr val="000000"/>
               </a:buClr>
@@ -3251,20 +3148,20 @@
               <a:buChar char=""/>
             </a:pPr>
             <a:r>
-              <a:rPr b="0" lang="en-US" sz="2000" spc="-1" strike="noStrike">
+              <a:rPr b="0" lang="en-US" sz="1800" spc="-1" strike="noStrike">
                 <a:latin typeface="Arial"/>
               </a:rPr>
               <a:t>Sixth Outline Level</a:t>
             </a:r>
-            <a:endParaRPr b="0" lang="en-US" sz="2000" spc="-1" strike="noStrike">
+            <a:endParaRPr b="0" lang="en-US" sz="1800" spc="-1" strike="noStrike">
               <a:latin typeface="Arial"/>
             </a:endParaRPr>
           </a:p>
           <a:p>
             <a:pPr lvl="6" marL="3024000" indent="-216000">
-              <a:spcAft>
+              <a:spcBef>
                 <a:spcPts val="283"/>
-              </a:spcAft>
+              </a:spcBef>
               <a:buClr>
                 <a:srgbClr val="000000"/>
               </a:buClr>
@@ -3273,117 +3170,13 @@
               <a:buChar char=""/>
             </a:pPr>
             <a:r>
-              <a:rPr b="0" lang="en-US" sz="2000" spc="-1" strike="noStrike">
+              <a:rPr b="0" lang="en-US" sz="1800" spc="-1" strike="noStrike">
                 <a:latin typeface="Arial"/>
               </a:rPr>
               <a:t>Seventh Outline Level</a:t>
             </a:r>
-            <a:endParaRPr b="0" lang="en-US" sz="2000" spc="-1" strike="noStrike">
-              <a:latin typeface="Arial"/>
-            </a:endParaRPr>
-          </a:p>
-        </p:txBody>
-      </p:sp>
-      <p:sp>
-        <p:nvSpPr>
-          <p:cNvPr id="43" name="PlaceHolder 3"/>
-          <p:cNvSpPr>
-            <a:spLocks noGrp="1"/>
-          </p:cNvSpPr>
-          <p:nvPr>
-            <p:ph type="dt"/>
-          </p:nvPr>
-        </p:nvSpPr>
-        <p:spPr>
-          <a:xfrm>
-            <a:off x="27720" y="7272000"/>
-            <a:ext cx="2348280" cy="521280"/>
-          </a:xfrm>
-          <a:prstGeom prst="rect">
-            <a:avLst/>
-          </a:prstGeom>
-        </p:spPr>
-        <p:txBody>
-          <a:bodyPr lIns="0" rIns="0" tIns="0" bIns="0"/>
-          <a:p>
-            <a:r>
-              <a:rPr b="0" lang="en-US" sz="1400" spc="-1" strike="noStrike">
-                <a:latin typeface="Times New Roman"/>
-              </a:rPr>
-              <a:t> </a:t>
-            </a:r>
-            <a:endParaRPr b="0" lang="en-US" sz="1400" spc="-1" strike="noStrike">
-              <a:latin typeface="Times New Roman"/>
-            </a:endParaRPr>
-          </a:p>
-        </p:txBody>
-      </p:sp>
-      <p:sp>
-        <p:nvSpPr>
-          <p:cNvPr id="44" name="PlaceHolder 4"/>
-          <p:cNvSpPr>
-            <a:spLocks noGrp="1"/>
-          </p:cNvSpPr>
-          <p:nvPr>
-            <p:ph type="ftr"/>
-          </p:nvPr>
-        </p:nvSpPr>
-        <p:spPr>
-          <a:xfrm>
-            <a:off x="3447360" y="7272000"/>
-            <a:ext cx="3195000" cy="521280"/>
-          </a:xfrm>
-          <a:prstGeom prst="rect">
-            <a:avLst/>
-          </a:prstGeom>
-        </p:spPr>
-        <p:txBody>
-          <a:bodyPr lIns="0" rIns="0" tIns="0" bIns="0"/>
-          <a:p>
-            <a:pPr algn="ctr"/>
-            <a:r>
-              <a:rPr b="0" lang="en-US" sz="1400" spc="-1" strike="noStrike">
-                <a:latin typeface="Times New Roman"/>
-              </a:rPr>
-              <a:t> </a:t>
-            </a:r>
-            <a:endParaRPr b="0" lang="en-US" sz="1400" spc="-1" strike="noStrike">
-              <a:latin typeface="Times New Roman"/>
-            </a:endParaRPr>
-          </a:p>
-        </p:txBody>
-      </p:sp>
-      <p:sp>
-        <p:nvSpPr>
-          <p:cNvPr id="45" name="PlaceHolder 5"/>
-          <p:cNvSpPr>
-            <a:spLocks noGrp="1"/>
-          </p:cNvSpPr>
-          <p:nvPr>
-            <p:ph type="sldNum"/>
-          </p:nvPr>
-        </p:nvSpPr>
-        <p:spPr>
-          <a:xfrm>
-            <a:off x="7587720" y="7254720"/>
-            <a:ext cx="2348280" cy="521280"/>
-          </a:xfrm>
-          <a:prstGeom prst="rect">
-            <a:avLst/>
-          </a:prstGeom>
-        </p:spPr>
-        <p:txBody>
-          <a:bodyPr lIns="0" rIns="0" tIns="0" bIns="0"/>
-          <a:p>
-            <a:pPr algn="r"/>
-            <a:fld id="{7B36266C-95DE-4673-B7A0-3D095585ED13}" type="slidenum">
-              <a:rPr b="0" lang="en-US" sz="1400" spc="-1" strike="noStrike">
-                <a:latin typeface="Times New Roman"/>
-              </a:rPr>
-              <a:t>1</a:t>
-            </a:fld>
-            <a:endParaRPr b="0" lang="en-US" sz="1400" spc="-1" strike="noStrike">
-              <a:latin typeface="Times New Roman"/>
+            <a:endParaRPr b="0" lang="en-US" sz="1800" spc="-1" strike="noStrike">
+              <a:latin typeface="Arial"/>
             </a:endParaRPr>
           </a:p>
         </p:txBody>
@@ -3427,14 +3220,14 @@
       </p:grpSpPr>
       <p:sp>
         <p:nvSpPr>
-          <p:cNvPr id="82" name="TextShape 1"/>
-          <p:cNvSpPr txBox="1"/>
+          <p:cNvPr id="76" name="CustomShape 1"/>
+          <p:cNvSpPr/>
           <p:nvPr/>
         </p:nvSpPr>
         <p:spPr>
           <a:xfrm>
             <a:off x="288000" y="1728000"/>
-            <a:ext cx="8927640" cy="1786680"/>
+            <a:ext cx="8927280" cy="1786320"/>
           </a:xfrm>
           <a:prstGeom prst="rect">
             <a:avLst/>
@@ -3444,9 +3237,20 @@
             <a:noFill/>
           </a:ln>
         </p:spPr>
+        <p:style>
+          <a:lnRef idx="0"/>
+          <a:fillRef idx="0"/>
+          <a:effectRef idx="0"/>
+          <a:fontRef idx="minor"/>
+        </p:style>
         <p:txBody>
           <a:bodyPr lIns="0" rIns="0" tIns="0" bIns="0" anchor="ctr"/>
           <a:p>
+            <a:pPr>
+              <a:lnSpc>
+                <a:spcPct val="100000"/>
+              </a:lnSpc>
+            </a:pPr>
             <a:r>
               <a:rPr b="0" lang="en-US" sz="4400" spc="-1" strike="noStrike">
                 <a:latin typeface="Arial"/>
@@ -3472,6 +3276,12 @@
               </a:rPr>
               <a:t>	</a:t>
             </a:r>
+            <a:r>
+              <a:rPr b="0" lang="en-US" sz="4400" spc="-1" strike="noStrike">
+                <a:latin typeface="Arial"/>
+              </a:rPr>
+              <a:t>McDonald's Video Game</a:t>
+            </a:r>
             <a:endParaRPr b="0" lang="en-US" sz="4400" spc="-1" strike="noStrike">
               <a:latin typeface="Arial"/>
             </a:endParaRPr>
@@ -3480,14 +3290,14 @@
       </p:sp>
       <p:sp>
         <p:nvSpPr>
-          <p:cNvPr id="83" name="TextShape 2"/>
-          <p:cNvSpPr txBox="1"/>
+          <p:cNvPr id="77" name="CustomShape 2"/>
+          <p:cNvSpPr/>
           <p:nvPr/>
         </p:nvSpPr>
         <p:spPr>
           <a:xfrm>
             <a:off x="4032360" y="3854520"/>
-            <a:ext cx="5183640" cy="969480"/>
+            <a:ext cx="5183280" cy="969120"/>
           </a:xfrm>
           <a:prstGeom prst="rect">
             <a:avLst/>
@@ -3497,15 +3307,12 @@
             <a:noFill/>
           </a:ln>
         </p:spPr>
-        <p:txBody>
-          <a:bodyPr lIns="0" rIns="0" tIns="0" bIns="0" anchor="ctr"/>
-          <a:p>
-            <a:pPr algn="ctr"/>
-            <a:endParaRPr b="0" lang="en-US" sz="3200" spc="-1" strike="noStrike">
-              <a:latin typeface="Arial"/>
-            </a:endParaRPr>
-          </a:p>
-        </p:txBody>
+        <p:style>
+          <a:lnRef idx="0"/>
+          <a:fillRef idx="0"/>
+          <a:effectRef idx="0"/>
+          <a:fontRef idx="minor"/>
+        </p:style>
       </p:sp>
     </p:spTree>
   </p:cSld>
@@ -3558,14 +3365,14 @@
       </p:grpSpPr>
       <p:sp>
         <p:nvSpPr>
-          <p:cNvPr id="84" name="TextShape 1"/>
-          <p:cNvSpPr txBox="1"/>
+          <p:cNvPr id="78" name="CustomShape 1"/>
+          <p:cNvSpPr/>
           <p:nvPr/>
         </p:nvSpPr>
         <p:spPr>
           <a:xfrm>
             <a:off x="504000" y="301320"/>
-            <a:ext cx="9071640" cy="1262160"/>
+            <a:ext cx="9071280" cy="1261800"/>
           </a:xfrm>
           <a:prstGeom prst="rect">
             <a:avLst/>
@@ -3579,26 +3386,37 @@
             <a:noFill/>
           </a:ln>
         </p:spPr>
+        <p:style>
+          <a:lnRef idx="0"/>
+          <a:fillRef idx="0"/>
+          <a:effectRef idx="0"/>
+          <a:fontRef idx="minor"/>
+        </p:style>
         <p:txBody>
           <a:bodyPr lIns="0" rIns="0" tIns="0" bIns="0" anchor="ctr"/>
           <a:p>
-            <a:pPr algn="ctr"/>
-            <a:endParaRPr b="0" lang="en-US" sz="4400" spc="-1" strike="noStrike">
-              <a:latin typeface="Arial"/>
-            </a:endParaRPr>
-          </a:p>
-        </p:txBody>
-      </p:sp>
-      <p:sp>
-        <p:nvSpPr>
-          <p:cNvPr id="85" name="TextShape 2"/>
-          <p:cNvSpPr txBox="1"/>
+            <a:r>
+              <a:rPr b="0" lang="en-US" sz="1800" spc="-1" strike="noStrike">
+                <a:latin typeface="Arial"/>
+              </a:rPr>
+              <a:t>The Game</a:t>
+            </a:r>
+            <a:endParaRPr b="0" lang="en-US" sz="1800" spc="-1" strike="noStrike">
+              <a:latin typeface="Arial"/>
+            </a:endParaRPr>
+          </a:p>
+        </p:txBody>
+      </p:sp>
+      <p:sp>
+        <p:nvSpPr>
+          <p:cNvPr id="79" name="CustomShape 2"/>
+          <p:cNvSpPr/>
           <p:nvPr/>
         </p:nvSpPr>
         <p:spPr>
           <a:xfrm>
             <a:off x="504000" y="1769040"/>
-            <a:ext cx="9071640" cy="4854960"/>
+            <a:ext cx="9071280" cy="4854600"/>
           </a:xfrm>
           <a:prstGeom prst="rect">
             <a:avLst/>
@@ -3612,12 +3430,119 @@
             <a:noFill/>
           </a:ln>
         </p:spPr>
-        <p:txBody>
-          <a:bodyPr lIns="0" rIns="0" tIns="0" bIns="0">
-            <a:normAutofit/>
-          </a:bodyPr>
-          <a:p>
-            <a:endParaRPr b="0" lang="en-US" sz="3200" spc="-1" strike="noStrike">
+        <p:style>
+          <a:lnRef idx="0"/>
+          <a:fillRef idx="0"/>
+          <a:effectRef idx="0"/>
+          <a:fontRef idx="minor"/>
+        </p:style>
+        <p:txBody>
+          <a:bodyPr lIns="0" rIns="0" tIns="0" bIns="0">
+            <a:normAutofit/>
+          </a:bodyPr>
+          <a:p>
+            <a:r>
+              <a:rPr b="0" lang="en-US" sz="1800" spc="-1" strike="noStrike">
+                <a:latin typeface="Arial"/>
+              </a:rPr>
+              <a:t>The idea is that you learn all of the aspects to running McDonald’s</a:t>
+            </a:r>
+            <a:endParaRPr b="0" lang="en-US" sz="1800" spc="-1" strike="noStrike">
+              <a:latin typeface="Arial"/>
+            </a:endParaRPr>
+          </a:p>
+          <a:p>
+            <a:endParaRPr b="0" lang="en-US" sz="1800" spc="-1" strike="noStrike">
+              <a:latin typeface="Arial"/>
+            </a:endParaRPr>
+          </a:p>
+          <a:p>
+            <a:r>
+              <a:rPr b="0" lang="en-US" sz="1800" spc="-1" strike="noStrike">
+                <a:latin typeface="Arial"/>
+              </a:rPr>
+              <a:t>You first must grow crops to feed your cows and pastures for the cows</a:t>
+            </a:r>
+            <a:endParaRPr b="0" lang="en-US" sz="1800" spc="-1" strike="noStrike">
+              <a:latin typeface="Arial"/>
+            </a:endParaRPr>
+          </a:p>
+          <a:p>
+            <a:endParaRPr b="0" lang="en-US" sz="1800" spc="-1" strike="noStrike">
+              <a:latin typeface="Arial"/>
+            </a:endParaRPr>
+          </a:p>
+          <a:p>
+            <a:r>
+              <a:rPr b="0" lang="en-US" sz="1800" spc="-1" strike="noStrike">
+                <a:latin typeface="Arial"/>
+              </a:rPr>
+              <a:t>Then they must be slaughtered to make burgers</a:t>
+            </a:r>
+            <a:endParaRPr b="0" lang="en-US" sz="1800" spc="-1" strike="noStrike">
+              <a:latin typeface="Arial"/>
+            </a:endParaRPr>
+          </a:p>
+          <a:p>
+            <a:endParaRPr b="0" lang="en-US" sz="1800" spc="-1" strike="noStrike">
+              <a:latin typeface="Arial"/>
+            </a:endParaRPr>
+          </a:p>
+          <a:p>
+            <a:r>
+              <a:rPr b="0" lang="en-US" sz="1800" spc="-1" strike="noStrike">
+                <a:latin typeface="Arial"/>
+              </a:rPr>
+              <a:t>You can choose additives in the food</a:t>
+            </a:r>
+            <a:endParaRPr b="0" lang="en-US" sz="1800" spc="-1" strike="noStrike">
+              <a:latin typeface="Arial"/>
+            </a:endParaRPr>
+          </a:p>
+          <a:p>
+            <a:endParaRPr b="0" lang="en-US" sz="1800" spc="-1" strike="noStrike">
+              <a:latin typeface="Arial"/>
+            </a:endParaRPr>
+          </a:p>
+          <a:p>
+            <a:r>
+              <a:rPr b="0" lang="en-US" sz="1800" spc="-1" strike="noStrike">
+                <a:latin typeface="Arial"/>
+              </a:rPr>
+              <a:t>Then you have to hire people to work in your restaurant</a:t>
+            </a:r>
+            <a:endParaRPr b="0" lang="en-US" sz="1800" spc="-1" strike="noStrike">
+              <a:latin typeface="Arial"/>
+            </a:endParaRPr>
+          </a:p>
+          <a:p>
+            <a:endParaRPr b="0" lang="en-US" sz="1800" spc="-1" strike="noStrike">
+              <a:latin typeface="Arial"/>
+            </a:endParaRPr>
+          </a:p>
+          <a:p>
+            <a:r>
+              <a:rPr b="0" lang="en-US" sz="1800" spc="-1" strike="noStrike">
+                <a:latin typeface="Arial"/>
+              </a:rPr>
+              <a:t>There is a corporate component that does various things</a:t>
+            </a:r>
+            <a:endParaRPr b="0" lang="en-US" sz="1800" spc="-1" strike="noStrike">
+              <a:latin typeface="Arial"/>
+            </a:endParaRPr>
+          </a:p>
+          <a:p>
+            <a:endParaRPr b="0" lang="en-US" sz="1800" spc="-1" strike="noStrike">
+              <a:latin typeface="Arial"/>
+            </a:endParaRPr>
+          </a:p>
+          <a:p>
+            <a:endParaRPr b="0" lang="en-US" sz="1800" spc="-1" strike="noStrike">
+              <a:latin typeface="Arial"/>
+            </a:endParaRPr>
+          </a:p>
+          <a:p>
+            <a:endParaRPr b="0" lang="en-US" sz="1800" spc="-1" strike="noStrike">
               <a:latin typeface="Arial"/>
             </a:endParaRPr>
           </a:p>
@@ -3652,6 +3577,477 @@
       </p:par>
     </p:tnLst>
   </p:timing>
+</p:sld>
+</file>
+
+<file path=ppt/slides/slide3.xml><?xml version="1.0" encoding="utf-8"?>
+<p:sld xmlns:a="http://schemas.openxmlformats.org/drawingml/2006/main" xmlns:p="http://schemas.openxmlformats.org/presentationml/2006/main" xmlns:r="http://schemas.openxmlformats.org/officeDocument/2006/relationships" xmlns:p14="http://schemas.microsoft.com/office/powerpoint/2010/main" xmlns:p15="http://schemas.microsoft.com/office/powerpoint/2012/main" xmlns:mc="http://schemas.openxmlformats.org/markup-compatibility/2006">
+  <p:cSld>
+    <p:spTree>
+      <p:nvGrpSpPr>
+        <p:cNvPr id="1" name=""/>
+        <p:cNvGrpSpPr/>
+        <p:nvPr/>
+      </p:nvGrpSpPr>
+      <p:grpSpPr>
+        <a:xfrm>
+          <a:off x="0" y="0"/>
+          <a:ext cx="0" cy="0"/>
+          <a:chOff x="0" y="0"/>
+          <a:chExt cx="0" cy="0"/>
+        </a:xfrm>
+      </p:grpSpPr>
+      <p:sp>
+        <p:nvSpPr>
+          <p:cNvPr id="80" name="TextShape 1"/>
+          <p:cNvSpPr txBox="1"/>
+          <p:nvPr/>
+        </p:nvSpPr>
+        <p:spPr>
+          <a:xfrm>
+            <a:off x="504000" y="301320"/>
+            <a:ext cx="9071280" cy="1261800"/>
+          </a:xfrm>
+          <a:prstGeom prst="rect">
+            <a:avLst/>
+          </a:prstGeom>
+          <a:noFill/>
+          <a:ln>
+            <a:noFill/>
+          </a:ln>
+        </p:spPr>
+        <p:txBody>
+          <a:bodyPr lIns="0" rIns="0" tIns="0" bIns="0" anchor="ctr"/>
+          <a:p>
+            <a:pPr algn="ctr"/>
+            <a:r>
+              <a:rPr b="0" lang="en-US" sz="4400" spc="-1" strike="noStrike">
+                <a:latin typeface="Arial"/>
+              </a:rPr>
+              <a:t>Things I liked</a:t>
+            </a:r>
+            <a:endParaRPr b="0" lang="en-US" sz="4400" spc="-1" strike="noStrike">
+              <a:latin typeface="Arial"/>
+            </a:endParaRPr>
+          </a:p>
+        </p:txBody>
+      </p:sp>
+      <p:sp>
+        <p:nvSpPr>
+          <p:cNvPr id="81" name="TextShape 2"/>
+          <p:cNvSpPr txBox="1"/>
+          <p:nvPr/>
+        </p:nvSpPr>
+        <p:spPr>
+          <a:xfrm>
+            <a:off x="504000" y="1769040"/>
+            <a:ext cx="9071280" cy="4854600"/>
+          </a:xfrm>
+          <a:prstGeom prst="rect">
+            <a:avLst/>
+          </a:prstGeom>
+          <a:noFill/>
+          <a:ln>
+            <a:noFill/>
+          </a:ln>
+        </p:spPr>
+        <p:txBody>
+          <a:bodyPr lIns="0" rIns="0" tIns="0" bIns="0">
+            <a:normAutofit/>
+          </a:bodyPr>
+          <a:p>
+            <a:pPr marL="432000" indent="-324000">
+              <a:spcBef>
+                <a:spcPts val="1417"/>
+              </a:spcBef>
+              <a:buClr>
+                <a:srgbClr val="000000"/>
+              </a:buClr>
+              <a:buSzPct val="45000"/>
+              <a:buFont typeface="Wingdings" charset="2"/>
+              <a:buChar char=""/>
+            </a:pPr>
+            <a:r>
+              <a:rPr b="0" lang="en-US" sz="3200" spc="-1" strike="noStrike">
+                <a:latin typeface="Arial"/>
+              </a:rPr>
+              <a:t>There were options to corrupt officials</a:t>
+            </a:r>
+            <a:endParaRPr b="0" lang="en-US" sz="3200" spc="-1" strike="noStrike">
+              <a:latin typeface="Arial"/>
+            </a:endParaRPr>
+          </a:p>
+          <a:p>
+            <a:pPr marL="432000" indent="-324000">
+              <a:spcBef>
+                <a:spcPts val="1417"/>
+              </a:spcBef>
+              <a:buClr>
+                <a:srgbClr val="000000"/>
+              </a:buClr>
+              <a:buSzPct val="45000"/>
+              <a:buFont typeface="Wingdings" charset="2"/>
+              <a:buChar char=""/>
+            </a:pPr>
+            <a:r>
+              <a:rPr b="0" lang="en-US" sz="3200" spc="-1" strike="noStrike">
+                <a:latin typeface="Arial"/>
+              </a:rPr>
+              <a:t>There were options to target ads to children </a:t>
+            </a:r>
+            <a:endParaRPr b="0" lang="en-US" sz="3200" spc="-1" strike="noStrike">
+              <a:latin typeface="Arial"/>
+            </a:endParaRPr>
+          </a:p>
+          <a:p>
+            <a:pPr marL="432000" indent="-324000">
+              <a:spcBef>
+                <a:spcPts val="1417"/>
+              </a:spcBef>
+              <a:buClr>
+                <a:srgbClr val="000000"/>
+              </a:buClr>
+              <a:buSzPct val="45000"/>
+              <a:buFont typeface="Wingdings" charset="2"/>
+              <a:buChar char=""/>
+            </a:pPr>
+            <a:r>
+              <a:rPr b="0" lang="en-US" sz="3200" spc="-1" strike="noStrike">
+                <a:latin typeface="Arial"/>
+              </a:rPr>
+              <a:t>There were options to demolish villages to grow more crops</a:t>
+            </a:r>
+            <a:endParaRPr b="0" lang="en-US" sz="3200" spc="-1" strike="noStrike">
+              <a:latin typeface="Arial"/>
+            </a:endParaRPr>
+          </a:p>
+          <a:p>
+            <a:pPr marL="432000" indent="-324000">
+              <a:spcBef>
+                <a:spcPts val="1417"/>
+              </a:spcBef>
+              <a:buClr>
+                <a:srgbClr val="000000"/>
+              </a:buClr>
+              <a:buSzPct val="45000"/>
+              <a:buFont typeface="Wingdings" charset="2"/>
+              <a:buChar char=""/>
+            </a:pPr>
+            <a:r>
+              <a:rPr b="0" lang="en-US" sz="3200" spc="-1" strike="noStrike">
+                <a:latin typeface="Arial"/>
+              </a:rPr>
+              <a:t>There were options to subvert the public against lawsuits</a:t>
+            </a:r>
+            <a:endParaRPr b="0" lang="en-US" sz="3200" spc="-1" strike="noStrike">
+              <a:latin typeface="Arial"/>
+            </a:endParaRPr>
+          </a:p>
+          <a:p>
+            <a:pPr marL="432000" indent="-324000">
+              <a:spcBef>
+                <a:spcPts val="1417"/>
+              </a:spcBef>
+              <a:buClr>
+                <a:srgbClr val="000000"/>
+              </a:buClr>
+              <a:buSzPct val="45000"/>
+              <a:buFont typeface="Wingdings" charset="2"/>
+              <a:buChar char=""/>
+            </a:pPr>
+            <a:r>
+              <a:rPr b="0" lang="en-US" sz="3200" spc="-1" strike="noStrike">
+                <a:latin typeface="Arial"/>
+              </a:rPr>
+              <a:t>There was an option to corrupt a local mayor to use public land </a:t>
+            </a:r>
+            <a:endParaRPr b="0" lang="en-US" sz="3200" spc="-1" strike="noStrike">
+              <a:latin typeface="Arial"/>
+            </a:endParaRPr>
+          </a:p>
+        </p:txBody>
+      </p:sp>
+    </p:spTree>
+  </p:cSld>
+  <p:timing>
+    <p:tnLst>
+      <p:par>
+        <p:cTn id="5" dur="indefinite" restart="never" nodeType="tmRoot">
+          <p:childTnLst>
+            <p:seq>
+              <p:cTn id="6" dur="indefinite" nodeType="mainSeq"/>
+              <p:prevCondLst>
+                <p:cond delay="0" evt="onPrev">
+                  <p:tgtEl>
+                    <p:sldTgt/>
+                  </p:tgtEl>
+                </p:cond>
+              </p:prevCondLst>
+              <p:nextCondLst>
+                <p:cond delay="0" evt="onNext">
+                  <p:tgtEl>
+                    <p:sldTgt/>
+                  </p:tgtEl>
+                </p:cond>
+              </p:nextCondLst>
+            </p:seq>
+          </p:childTnLst>
+        </p:cTn>
+      </p:par>
+    </p:tnLst>
+  </p:timing>
+</p:sld>
+</file>
+
+<file path=ppt/slides/slide4.xml><?xml version="1.0" encoding="utf-8"?>
+<p:sld xmlns:a="http://schemas.openxmlformats.org/drawingml/2006/main" xmlns:p="http://schemas.openxmlformats.org/presentationml/2006/main" xmlns:r="http://schemas.openxmlformats.org/officeDocument/2006/relationships" xmlns:p14="http://schemas.microsoft.com/office/powerpoint/2010/main" xmlns:p15="http://schemas.microsoft.com/office/powerpoint/2012/main" xmlns:mc="http://schemas.openxmlformats.org/markup-compatibility/2006">
+  <p:cSld>
+    <p:spTree>
+      <p:nvGrpSpPr>
+        <p:cNvPr id="1" name=""/>
+        <p:cNvGrpSpPr/>
+        <p:nvPr/>
+      </p:nvGrpSpPr>
+      <p:grpSpPr>
+        <a:xfrm>
+          <a:off x="0" y="0"/>
+          <a:ext cx="0" cy="0"/>
+          <a:chOff x="0" y="0"/>
+          <a:chExt cx="0" cy="0"/>
+        </a:xfrm>
+      </p:grpSpPr>
+      <p:sp>
+        <p:nvSpPr>
+          <p:cNvPr id="82" name="TextShape 1"/>
+          <p:cNvSpPr txBox="1"/>
+          <p:nvPr/>
+        </p:nvSpPr>
+        <p:spPr>
+          <a:xfrm>
+            <a:off x="504000" y="301320"/>
+            <a:ext cx="9071280" cy="1261800"/>
+          </a:xfrm>
+          <a:prstGeom prst="rect">
+            <a:avLst/>
+          </a:prstGeom>
+          <a:noFill/>
+          <a:ln>
+            <a:noFill/>
+          </a:ln>
+        </p:spPr>
+        <p:txBody>
+          <a:bodyPr lIns="0" rIns="0" tIns="0" bIns="0" anchor="ctr"/>
+          <a:p>
+            <a:pPr algn="ctr"/>
+            <a:r>
+              <a:rPr b="0" lang="en-US" sz="4400" spc="-1" strike="noStrike">
+                <a:latin typeface="Arial"/>
+              </a:rPr>
+              <a:t>Review</a:t>
+            </a:r>
+            <a:endParaRPr b="0" lang="en-US" sz="4400" spc="-1" strike="noStrike">
+              <a:latin typeface="Arial"/>
+            </a:endParaRPr>
+          </a:p>
+        </p:txBody>
+      </p:sp>
+      <p:sp>
+        <p:nvSpPr>
+          <p:cNvPr id="83" name="TextShape 2"/>
+          <p:cNvSpPr txBox="1"/>
+          <p:nvPr/>
+        </p:nvSpPr>
+        <p:spPr>
+          <a:xfrm>
+            <a:off x="504000" y="1769040"/>
+            <a:ext cx="9071280" cy="4854600"/>
+          </a:xfrm>
+          <a:prstGeom prst="rect">
+            <a:avLst/>
+          </a:prstGeom>
+          <a:noFill/>
+          <a:ln>
+            <a:noFill/>
+          </a:ln>
+        </p:spPr>
+        <p:txBody>
+          <a:bodyPr lIns="0" rIns="0" tIns="0" bIns="0">
+            <a:normAutofit/>
+          </a:bodyPr>
+          <a:p>
+            <a:pPr marL="432000" indent="-324000">
+              <a:spcBef>
+                <a:spcPts val="1417"/>
+              </a:spcBef>
+              <a:buClr>
+                <a:srgbClr val="000000"/>
+              </a:buClr>
+              <a:buSzPct val="45000"/>
+              <a:buFont typeface="Wingdings" charset="2"/>
+              <a:buChar char=""/>
+            </a:pPr>
+            <a:r>
+              <a:rPr b="0" lang="en-US" sz="3200" spc="-1" strike="noStrike">
+                <a:latin typeface="Arial"/>
+              </a:rPr>
+              <a:t>Simple UI</a:t>
+            </a:r>
+            <a:endParaRPr b="0" lang="en-US" sz="3200" spc="-1" strike="noStrike">
+              <a:latin typeface="Arial"/>
+            </a:endParaRPr>
+          </a:p>
+          <a:p>
+            <a:pPr marL="432000" indent="-324000">
+              <a:spcBef>
+                <a:spcPts val="1417"/>
+              </a:spcBef>
+              <a:buClr>
+                <a:srgbClr val="000000"/>
+              </a:buClr>
+              <a:buSzPct val="45000"/>
+              <a:buFont typeface="Wingdings" charset="2"/>
+              <a:buChar char=""/>
+            </a:pPr>
+            <a:r>
+              <a:rPr b="0" lang="en-US" sz="3200" spc="-1" strike="noStrike">
+                <a:latin typeface="Arial"/>
+              </a:rPr>
+              <a:t>Options were a bit difficult to understand</a:t>
+            </a:r>
+            <a:endParaRPr b="0" lang="en-US" sz="3200" spc="-1" strike="noStrike">
+              <a:latin typeface="Arial"/>
+            </a:endParaRPr>
+          </a:p>
+          <a:p>
+            <a:pPr marL="432000" indent="-324000">
+              <a:spcBef>
+                <a:spcPts val="1417"/>
+              </a:spcBef>
+              <a:buClr>
+                <a:srgbClr val="000000"/>
+              </a:buClr>
+              <a:buSzPct val="45000"/>
+              <a:buFont typeface="Wingdings" charset="2"/>
+              <a:buChar char=""/>
+            </a:pPr>
+            <a:r>
+              <a:rPr b="0" lang="en-US" sz="3200" spc="-1" strike="noStrike">
+                <a:latin typeface="Arial"/>
+              </a:rPr>
+              <a:t>Some buttons were not clearly understood</a:t>
+            </a:r>
+            <a:endParaRPr b="0" lang="en-US" sz="3200" spc="-1" strike="noStrike">
+              <a:latin typeface="Arial"/>
+            </a:endParaRPr>
+          </a:p>
+        </p:txBody>
+      </p:sp>
+    </p:spTree>
+  </p:cSld>
+</p:sld>
+</file>
+
+<file path=ppt/slides/slide5.xml><?xml version="1.0" encoding="utf-8"?>
+<p:sld xmlns:a="http://schemas.openxmlformats.org/drawingml/2006/main" xmlns:p="http://schemas.openxmlformats.org/presentationml/2006/main" xmlns:r="http://schemas.openxmlformats.org/officeDocument/2006/relationships" xmlns:p14="http://schemas.microsoft.com/office/powerpoint/2010/main" xmlns:p15="http://schemas.microsoft.com/office/powerpoint/2012/main" xmlns:mc="http://schemas.openxmlformats.org/markup-compatibility/2006">
+  <p:cSld>
+    <p:spTree>
+      <p:nvGrpSpPr>
+        <p:cNvPr id="1" name=""/>
+        <p:cNvGrpSpPr/>
+        <p:nvPr/>
+      </p:nvGrpSpPr>
+      <p:grpSpPr>
+        <a:xfrm>
+          <a:off x="0" y="0"/>
+          <a:ext cx="0" cy="0"/>
+          <a:chOff x="0" y="0"/>
+          <a:chExt cx="0" cy="0"/>
+        </a:xfrm>
+      </p:grpSpPr>
+      <p:sp>
+        <p:nvSpPr>
+          <p:cNvPr id="84" name="TextShape 1"/>
+          <p:cNvSpPr txBox="1"/>
+          <p:nvPr/>
+        </p:nvSpPr>
+        <p:spPr>
+          <a:xfrm>
+            <a:off x="504000" y="301320"/>
+            <a:ext cx="9071280" cy="1261800"/>
+          </a:xfrm>
+          <a:prstGeom prst="rect">
+            <a:avLst/>
+          </a:prstGeom>
+          <a:noFill/>
+          <a:ln>
+            <a:noFill/>
+          </a:ln>
+        </p:spPr>
+        <p:txBody>
+          <a:bodyPr lIns="0" rIns="0" tIns="0" bIns="0" anchor="ctr"/>
+          <a:p>
+            <a:pPr algn="ctr"/>
+            <a:r>
+              <a:rPr b="0" lang="en-US" sz="4400" spc="-1" strike="noStrike">
+                <a:latin typeface="Arial"/>
+              </a:rPr>
+              <a:t>Final</a:t>
+            </a:r>
+            <a:endParaRPr b="0" lang="en-US" sz="4400" spc="-1" strike="noStrike">
+              <a:latin typeface="Arial"/>
+            </a:endParaRPr>
+          </a:p>
+        </p:txBody>
+      </p:sp>
+      <p:sp>
+        <p:nvSpPr>
+          <p:cNvPr id="85" name="TextShape 2"/>
+          <p:cNvSpPr txBox="1"/>
+          <p:nvPr/>
+        </p:nvSpPr>
+        <p:spPr>
+          <a:xfrm>
+            <a:off x="504000" y="1769040"/>
+            <a:ext cx="9071280" cy="4854600"/>
+          </a:xfrm>
+          <a:prstGeom prst="rect">
+            <a:avLst/>
+          </a:prstGeom>
+          <a:noFill/>
+          <a:ln>
+            <a:noFill/>
+          </a:ln>
+        </p:spPr>
+        <p:txBody>
+          <a:bodyPr lIns="0" rIns="0" tIns="0" bIns="0">
+            <a:normAutofit/>
+          </a:bodyPr>
+          <a:p>
+            <a:pPr marL="432000" indent="-324000">
+              <a:spcBef>
+                <a:spcPts val="1417"/>
+              </a:spcBef>
+              <a:buClr>
+                <a:srgbClr val="000000"/>
+              </a:buClr>
+              <a:buSzPct val="45000"/>
+              <a:buFont typeface="Wingdings" charset="2"/>
+              <a:buChar char=""/>
+            </a:pPr>
+            <a:r>
+              <a:rPr b="0" lang="en-US" sz="3200" spc="-1" strike="noStrike">
+                <a:latin typeface="Arial"/>
+              </a:rPr>
+              <a:t>The game was fun, but in the end it like most educational games are not super fun</a:t>
+            </a:r>
+            <a:endParaRPr b="0" lang="en-US" sz="3200" spc="-1" strike="noStrike">
+              <a:latin typeface="Arial"/>
+            </a:endParaRPr>
+          </a:p>
+        </p:txBody>
+      </p:sp>
+    </p:spTree>
+  </p:cSld>
 </p:sld>
 </file>
 
